--- a/CNTT_2020606145_Kieu_Van_Anh.pptx
+++ b/CNTT_2020606145_Kieu_Van_Anh.pptx
@@ -12837,10 +12837,10 @@
         </p:nvGrpSpPr>
         <p:grpSpPr>
           <a:xfrm>
-            <a:off x="1606922" y="3295927"/>
-            <a:ext cx="6868115" cy="5037988"/>
-            <a:chOff x="0" y="0"/>
-            <a:chExt cx="9157487" cy="6717317"/>
+            <a:off x="1606922" y="3274496"/>
+            <a:ext cx="6868115" cy="5169092"/>
+            <a:chOff x="0" y="-28575"/>
+            <a:chExt cx="9157487" cy="6892122"/>
           </a:xfrm>
         </p:grpSpPr>
         <p:sp>
@@ -12852,7 +12852,7 @@
           <p:spPr>
             <a:xfrm>
               <a:off x="0" y="944321"/>
-              <a:ext cx="9157487" cy="5772997"/>
+              <a:ext cx="9157487" cy="5919226"/>
             </a:xfrm>
             <a:prstGeom prst="rect">
               <a:avLst/>
@@ -12872,13 +12872,166 @@
                 <a:buChar char="•"/>
               </a:pPr>
               <a:r>
-                <a:rPr lang="en-US" sz="2199">
-                  <a:solidFill>
-                    <a:srgbClr val="000000"/>
-                  </a:solidFill>
-                  <a:latin typeface="Cabin"/>
-                </a:rPr>
-                <a:t>Hiểu rõ quy trình bán khóa học trực tuyến. </a:t>
+                <a:rPr lang="en-US" sz="2199" dirty="0" err="1">
+                  <a:solidFill>
+                    <a:srgbClr val="000000"/>
+                  </a:solidFill>
+                  <a:latin typeface="Cabin"/>
+                </a:rPr>
+                <a:t>Hiểu</a:t>
+              </a:r>
+              <a:r>
+                <a:rPr lang="en-US" sz="2199" dirty="0">
+                  <a:solidFill>
+                    <a:srgbClr val="000000"/>
+                  </a:solidFill>
+                  <a:latin typeface="Cabin"/>
+                </a:rPr>
+                <a:t> </a:t>
+              </a:r>
+              <a:r>
+                <a:rPr lang="en-US" sz="2199" dirty="0" err="1">
+                  <a:solidFill>
+                    <a:srgbClr val="000000"/>
+                  </a:solidFill>
+                  <a:latin typeface="Cabin"/>
+                </a:rPr>
+                <a:t>rõ</a:t>
+              </a:r>
+              <a:r>
+                <a:rPr lang="en-US" sz="2199" dirty="0">
+                  <a:solidFill>
+                    <a:srgbClr val="000000"/>
+                  </a:solidFill>
+                  <a:latin typeface="Cabin"/>
+                </a:rPr>
+                <a:t> </a:t>
+              </a:r>
+              <a:r>
+                <a:rPr lang="en-US" sz="2199" dirty="0" err="1">
+                  <a:solidFill>
+                    <a:srgbClr val="000000"/>
+                  </a:solidFill>
+                  <a:latin typeface="Cabin"/>
+                </a:rPr>
+                <a:t>quy</a:t>
+              </a:r>
+              <a:r>
+                <a:rPr lang="en-US" sz="2199" dirty="0">
+                  <a:solidFill>
+                    <a:srgbClr val="000000"/>
+                  </a:solidFill>
+                  <a:latin typeface="Cabin"/>
+                </a:rPr>
+                <a:t> </a:t>
+              </a:r>
+              <a:r>
+                <a:rPr lang="en-US" sz="2199" dirty="0" err="1">
+                  <a:solidFill>
+                    <a:srgbClr val="000000"/>
+                  </a:solidFill>
+                  <a:latin typeface="Cabin"/>
+                </a:rPr>
+                <a:t>trình</a:t>
+              </a:r>
+              <a:r>
+                <a:rPr lang="en-US" sz="2199" dirty="0">
+                  <a:solidFill>
+                    <a:srgbClr val="000000"/>
+                  </a:solidFill>
+                  <a:latin typeface="Cabin"/>
+                </a:rPr>
+                <a:t> </a:t>
+              </a:r>
+              <a:r>
+                <a:rPr lang="en-US" sz="2199" dirty="0" err="1">
+                  <a:solidFill>
+                    <a:srgbClr val="000000"/>
+                  </a:solidFill>
+                  <a:latin typeface="Cabin"/>
+                </a:rPr>
+                <a:t>bán</a:t>
+              </a:r>
+              <a:r>
+                <a:rPr lang="en-US" sz="2199" dirty="0">
+                  <a:solidFill>
+                    <a:srgbClr val="000000"/>
+                  </a:solidFill>
+                  <a:latin typeface="Cabin"/>
+                </a:rPr>
+                <a:t> </a:t>
+              </a:r>
+              <a:r>
+                <a:rPr lang="en-US" sz="2199" dirty="0" err="1">
+                  <a:solidFill>
+                    <a:srgbClr val="000000"/>
+                  </a:solidFill>
+                  <a:latin typeface="Cabin"/>
+                </a:rPr>
+                <a:t>khóa</a:t>
+              </a:r>
+              <a:r>
+                <a:rPr lang="en-US" sz="2199" dirty="0">
+                  <a:solidFill>
+                    <a:srgbClr val="000000"/>
+                  </a:solidFill>
+                  <a:latin typeface="Cabin"/>
+                </a:rPr>
+                <a:t> </a:t>
+              </a:r>
+              <a:r>
+                <a:rPr lang="en-US" sz="2199" dirty="0" err="1">
+                  <a:solidFill>
+                    <a:srgbClr val="000000"/>
+                  </a:solidFill>
+                  <a:latin typeface="Cabin"/>
+                </a:rPr>
+                <a:t>học</a:t>
+              </a:r>
+              <a:r>
+                <a:rPr lang="en-US" sz="2199" dirty="0">
+                  <a:solidFill>
+                    <a:srgbClr val="000000"/>
+                  </a:solidFill>
+                  <a:latin typeface="Cabin"/>
+                </a:rPr>
+                <a:t> </a:t>
+              </a:r>
+              <a:r>
+                <a:rPr lang="en-US" sz="2199" dirty="0" err="1">
+                  <a:solidFill>
+                    <a:srgbClr val="000000"/>
+                  </a:solidFill>
+                  <a:latin typeface="Cabin"/>
+                </a:rPr>
+                <a:t>trực</a:t>
+              </a:r>
+              <a:r>
+                <a:rPr lang="en-US" sz="2199" dirty="0">
+                  <a:solidFill>
+                    <a:srgbClr val="000000"/>
+                  </a:solidFill>
+                  <a:latin typeface="Cabin"/>
+                </a:rPr>
+                <a:t> </a:t>
+              </a:r>
+              <a:r>
+                <a:rPr lang="en-US" sz="2199" dirty="0" err="1">
+                  <a:solidFill>
+                    <a:srgbClr val="000000"/>
+                  </a:solidFill>
+                  <a:latin typeface="Cabin"/>
+                </a:rPr>
+                <a:t>tuyến</a:t>
+              </a:r>
+              <a:r>
+                <a:rPr lang="en-US" sz="2199" dirty="0">
+                  <a:solidFill>
+                    <a:srgbClr val="000000"/>
+                  </a:solidFill>
+                  <a:latin typeface="Cabin"/>
+                </a:rPr>
+                <a:t>. </a:t>
               </a:r>
             </a:p>
             <a:p>
@@ -12890,13 +13043,256 @@
                 <a:buChar char="•"/>
               </a:pPr>
               <a:r>
-                <a:rPr lang="en-US" sz="2199">
-                  <a:solidFill>
-                    <a:srgbClr val="000000"/>
-                  </a:solidFill>
-                  <a:latin typeface="Cabin"/>
-                </a:rPr>
-                <a:t>Xây dựng thành công website bán hàng quần áo đáp ứng nhu cầu đặt ra của người dùng. </a:t>
+                <a:rPr lang="en-US" sz="2199" dirty="0" err="1">
+                  <a:solidFill>
+                    <a:srgbClr val="000000"/>
+                  </a:solidFill>
+                  <a:latin typeface="Cabin"/>
+                </a:rPr>
+                <a:t>Xây</a:t>
+              </a:r>
+              <a:r>
+                <a:rPr lang="en-US" sz="2199" dirty="0">
+                  <a:solidFill>
+                    <a:srgbClr val="000000"/>
+                  </a:solidFill>
+                  <a:latin typeface="Cabin"/>
+                </a:rPr>
+                <a:t> </a:t>
+              </a:r>
+              <a:r>
+                <a:rPr lang="en-US" sz="2199" dirty="0" err="1">
+                  <a:solidFill>
+                    <a:srgbClr val="000000"/>
+                  </a:solidFill>
+                  <a:latin typeface="Cabin"/>
+                </a:rPr>
+                <a:t>dựng</a:t>
+              </a:r>
+              <a:r>
+                <a:rPr lang="en-US" sz="2199" dirty="0">
+                  <a:solidFill>
+                    <a:srgbClr val="000000"/>
+                  </a:solidFill>
+                  <a:latin typeface="Cabin"/>
+                </a:rPr>
+                <a:t> </a:t>
+              </a:r>
+              <a:r>
+                <a:rPr lang="en-US" sz="2199" dirty="0" err="1">
+                  <a:solidFill>
+                    <a:srgbClr val="000000"/>
+                  </a:solidFill>
+                  <a:latin typeface="Cabin"/>
+                </a:rPr>
+                <a:t>thành</a:t>
+              </a:r>
+              <a:r>
+                <a:rPr lang="en-US" sz="2199" dirty="0">
+                  <a:solidFill>
+                    <a:srgbClr val="000000"/>
+                  </a:solidFill>
+                  <a:latin typeface="Cabin"/>
+                </a:rPr>
+                <a:t> </a:t>
+              </a:r>
+              <a:r>
+                <a:rPr lang="en-US" sz="2199" dirty="0" err="1">
+                  <a:solidFill>
+                    <a:srgbClr val="000000"/>
+                  </a:solidFill>
+                  <a:latin typeface="Cabin"/>
+                </a:rPr>
+                <a:t>công</a:t>
+              </a:r>
+              <a:r>
+                <a:rPr lang="en-US" sz="2199" dirty="0">
+                  <a:solidFill>
+                    <a:srgbClr val="000000"/>
+                  </a:solidFill>
+                  <a:latin typeface="Cabin"/>
+                </a:rPr>
+                <a:t> website </a:t>
+              </a:r>
+              <a:r>
+                <a:rPr lang="en-US" sz="2199" dirty="0" err="1">
+                  <a:solidFill>
+                    <a:srgbClr val="000000"/>
+                  </a:solidFill>
+                  <a:latin typeface="Cabin"/>
+                </a:rPr>
+                <a:t>bán</a:t>
+              </a:r>
+              <a:r>
+                <a:rPr lang="en-US" sz="2199" dirty="0">
+                  <a:solidFill>
+                    <a:srgbClr val="000000"/>
+                  </a:solidFill>
+                  <a:latin typeface="Cabin"/>
+                </a:rPr>
+                <a:t> </a:t>
+              </a:r>
+              <a:r>
+                <a:rPr lang="vi-VN" sz="2199" dirty="0">
+                  <a:solidFill>
+                    <a:srgbClr val="000000"/>
+                  </a:solidFill>
+                  <a:latin typeface="Cabin"/>
+                </a:rPr>
+                <a:t>khóa học</a:t>
+              </a:r>
+              <a:r>
+                <a:rPr lang="en-US" sz="2199" dirty="0">
+                  <a:solidFill>
+                    <a:srgbClr val="000000"/>
+                  </a:solidFill>
+                  <a:latin typeface="Cabin"/>
+                </a:rPr>
+                <a:t> </a:t>
+              </a:r>
+              <a:r>
+                <a:rPr lang="en-US" sz="2199" dirty="0" err="1">
+                  <a:solidFill>
+                    <a:srgbClr val="000000"/>
+                  </a:solidFill>
+                  <a:latin typeface="Cabin"/>
+                </a:rPr>
+                <a:t>đáp</a:t>
+              </a:r>
+              <a:r>
+                <a:rPr lang="en-US" sz="2199" dirty="0">
+                  <a:solidFill>
+                    <a:srgbClr val="000000"/>
+                  </a:solidFill>
+                  <a:latin typeface="Cabin"/>
+                </a:rPr>
+                <a:t> </a:t>
+              </a:r>
+              <a:r>
+                <a:rPr lang="en-US" sz="2199" dirty="0" err="1">
+                  <a:solidFill>
+                    <a:srgbClr val="000000"/>
+                  </a:solidFill>
+                  <a:latin typeface="Cabin"/>
+                </a:rPr>
+                <a:t>ứng</a:t>
+              </a:r>
+              <a:r>
+                <a:rPr lang="en-US" sz="2199" dirty="0">
+                  <a:solidFill>
+                    <a:srgbClr val="000000"/>
+                  </a:solidFill>
+                  <a:latin typeface="Cabin"/>
+                </a:rPr>
+                <a:t> </a:t>
+              </a:r>
+              <a:r>
+                <a:rPr lang="en-US" sz="2199" dirty="0" err="1">
+                  <a:solidFill>
+                    <a:srgbClr val="000000"/>
+                  </a:solidFill>
+                  <a:latin typeface="Cabin"/>
+                </a:rPr>
+                <a:t>nhu</a:t>
+              </a:r>
+              <a:r>
+                <a:rPr lang="en-US" sz="2199" dirty="0">
+                  <a:solidFill>
+                    <a:srgbClr val="000000"/>
+                  </a:solidFill>
+                  <a:latin typeface="Cabin"/>
+                </a:rPr>
+                <a:t> </a:t>
+              </a:r>
+              <a:r>
+                <a:rPr lang="en-US" sz="2199" dirty="0" err="1">
+                  <a:solidFill>
+                    <a:srgbClr val="000000"/>
+                  </a:solidFill>
+                  <a:latin typeface="Cabin"/>
+                </a:rPr>
+                <a:t>cầu</a:t>
+              </a:r>
+              <a:r>
+                <a:rPr lang="en-US" sz="2199" dirty="0">
+                  <a:solidFill>
+                    <a:srgbClr val="000000"/>
+                  </a:solidFill>
+                  <a:latin typeface="Cabin"/>
+                </a:rPr>
+                <a:t> </a:t>
+              </a:r>
+              <a:r>
+                <a:rPr lang="en-US" sz="2199" dirty="0" err="1">
+                  <a:solidFill>
+                    <a:srgbClr val="000000"/>
+                  </a:solidFill>
+                  <a:latin typeface="Cabin"/>
+                </a:rPr>
+                <a:t>đặt</a:t>
+              </a:r>
+              <a:r>
+                <a:rPr lang="en-US" sz="2199" dirty="0">
+                  <a:solidFill>
+                    <a:srgbClr val="000000"/>
+                  </a:solidFill>
+                  <a:latin typeface="Cabin"/>
+                </a:rPr>
+                <a:t> ra </a:t>
+              </a:r>
+              <a:r>
+                <a:rPr lang="en-US" sz="2199" dirty="0" err="1">
+                  <a:solidFill>
+                    <a:srgbClr val="000000"/>
+                  </a:solidFill>
+                  <a:latin typeface="Cabin"/>
+                </a:rPr>
+                <a:t>của</a:t>
+              </a:r>
+              <a:r>
+                <a:rPr lang="en-US" sz="2199" dirty="0">
+                  <a:solidFill>
+                    <a:srgbClr val="000000"/>
+                  </a:solidFill>
+                  <a:latin typeface="Cabin"/>
+                </a:rPr>
+                <a:t> </a:t>
+              </a:r>
+              <a:r>
+                <a:rPr lang="en-US" sz="2199" dirty="0" err="1">
+                  <a:solidFill>
+                    <a:srgbClr val="000000"/>
+                  </a:solidFill>
+                  <a:latin typeface="Cabin"/>
+                </a:rPr>
+                <a:t>người</a:t>
+              </a:r>
+              <a:r>
+                <a:rPr lang="en-US" sz="2199" dirty="0">
+                  <a:solidFill>
+                    <a:srgbClr val="000000"/>
+                  </a:solidFill>
+                  <a:latin typeface="Cabin"/>
+                </a:rPr>
+                <a:t> </a:t>
+              </a:r>
+              <a:r>
+                <a:rPr lang="en-US" sz="2199" dirty="0" err="1">
+                  <a:solidFill>
+                    <a:srgbClr val="000000"/>
+                  </a:solidFill>
+                  <a:latin typeface="Cabin"/>
+                </a:rPr>
+                <a:t>dùng</a:t>
+              </a:r>
+              <a:r>
+                <a:rPr lang="en-US" sz="2199" dirty="0">
+                  <a:solidFill>
+                    <a:srgbClr val="000000"/>
+                  </a:solidFill>
+                  <a:latin typeface="Cabin"/>
+                </a:rPr>
+                <a:t>. </a:t>
               </a:r>
             </a:p>
             <a:p>
@@ -12908,13 +13304,256 @@
                 <a:buChar char="•"/>
               </a:pPr>
               <a:r>
-                <a:rPr lang="en-US" sz="2199">
-                  <a:solidFill>
-                    <a:srgbClr val="000000"/>
-                  </a:solidFill>
-                  <a:latin typeface="Cabin"/>
-                </a:rPr>
-                <a:t>Tìm hiểu và nắm rõ công cụ phân tích thiết kế và xây dựng website. </a:t>
+                <a:rPr lang="en-US" sz="2199" dirty="0" err="1">
+                  <a:solidFill>
+                    <a:srgbClr val="000000"/>
+                  </a:solidFill>
+                  <a:latin typeface="Cabin"/>
+                </a:rPr>
+                <a:t>Tìm</a:t>
+              </a:r>
+              <a:r>
+                <a:rPr lang="en-US" sz="2199" dirty="0">
+                  <a:solidFill>
+                    <a:srgbClr val="000000"/>
+                  </a:solidFill>
+                  <a:latin typeface="Cabin"/>
+                </a:rPr>
+                <a:t> </a:t>
+              </a:r>
+              <a:r>
+                <a:rPr lang="en-US" sz="2199" dirty="0" err="1">
+                  <a:solidFill>
+                    <a:srgbClr val="000000"/>
+                  </a:solidFill>
+                  <a:latin typeface="Cabin"/>
+                </a:rPr>
+                <a:t>hiểu</a:t>
+              </a:r>
+              <a:r>
+                <a:rPr lang="en-US" sz="2199" dirty="0">
+                  <a:solidFill>
+                    <a:srgbClr val="000000"/>
+                  </a:solidFill>
+                  <a:latin typeface="Cabin"/>
+                </a:rPr>
+                <a:t> </a:t>
+              </a:r>
+              <a:r>
+                <a:rPr lang="en-US" sz="2199" dirty="0" err="1">
+                  <a:solidFill>
+                    <a:srgbClr val="000000"/>
+                  </a:solidFill>
+                  <a:latin typeface="Cabin"/>
+                </a:rPr>
+                <a:t>và</a:t>
+              </a:r>
+              <a:r>
+                <a:rPr lang="en-US" sz="2199" dirty="0">
+                  <a:solidFill>
+                    <a:srgbClr val="000000"/>
+                  </a:solidFill>
+                  <a:latin typeface="Cabin"/>
+                </a:rPr>
+                <a:t> </a:t>
+              </a:r>
+              <a:r>
+                <a:rPr lang="en-US" sz="2199" dirty="0" err="1">
+                  <a:solidFill>
+                    <a:srgbClr val="000000"/>
+                  </a:solidFill>
+                  <a:latin typeface="Cabin"/>
+                </a:rPr>
+                <a:t>nắm</a:t>
+              </a:r>
+              <a:r>
+                <a:rPr lang="en-US" sz="2199" dirty="0">
+                  <a:solidFill>
+                    <a:srgbClr val="000000"/>
+                  </a:solidFill>
+                  <a:latin typeface="Cabin"/>
+                </a:rPr>
+                <a:t> </a:t>
+              </a:r>
+              <a:r>
+                <a:rPr lang="en-US" sz="2199" dirty="0" err="1">
+                  <a:solidFill>
+                    <a:srgbClr val="000000"/>
+                  </a:solidFill>
+                  <a:latin typeface="Cabin"/>
+                </a:rPr>
+                <a:t>rõ</a:t>
+              </a:r>
+              <a:r>
+                <a:rPr lang="en-US" sz="2199" dirty="0">
+                  <a:solidFill>
+                    <a:srgbClr val="000000"/>
+                  </a:solidFill>
+                  <a:latin typeface="Cabin"/>
+                </a:rPr>
+                <a:t> </a:t>
+              </a:r>
+              <a:r>
+                <a:rPr lang="en-US" sz="2199" dirty="0" err="1">
+                  <a:solidFill>
+                    <a:srgbClr val="000000"/>
+                  </a:solidFill>
+                  <a:latin typeface="Cabin"/>
+                </a:rPr>
+                <a:t>công</a:t>
+              </a:r>
+              <a:r>
+                <a:rPr lang="en-US" sz="2199" dirty="0">
+                  <a:solidFill>
+                    <a:srgbClr val="000000"/>
+                  </a:solidFill>
+                  <a:latin typeface="Cabin"/>
+                </a:rPr>
+                <a:t> </a:t>
+              </a:r>
+              <a:r>
+                <a:rPr lang="en-US" sz="2199" dirty="0" err="1">
+                  <a:solidFill>
+                    <a:srgbClr val="000000"/>
+                  </a:solidFill>
+                  <a:latin typeface="Cabin"/>
+                </a:rPr>
+                <a:t>cụ</a:t>
+              </a:r>
+              <a:r>
+                <a:rPr lang="en-US" sz="2199" dirty="0">
+                  <a:solidFill>
+                    <a:srgbClr val="000000"/>
+                  </a:solidFill>
+                  <a:latin typeface="Cabin"/>
+                </a:rPr>
+                <a:t> </a:t>
+              </a:r>
+              <a:r>
+                <a:rPr lang="en-US" sz="2199" dirty="0" err="1">
+                  <a:solidFill>
+                    <a:srgbClr val="000000"/>
+                  </a:solidFill>
+                  <a:latin typeface="Cabin"/>
+                </a:rPr>
+                <a:t>phân</a:t>
+              </a:r>
+              <a:r>
+                <a:rPr lang="en-US" sz="2199" dirty="0">
+                  <a:solidFill>
+                    <a:srgbClr val="000000"/>
+                  </a:solidFill>
+                  <a:latin typeface="Cabin"/>
+                </a:rPr>
+                <a:t> </a:t>
+              </a:r>
+              <a:r>
+                <a:rPr lang="en-US" sz="2199" dirty="0" err="1">
+                  <a:solidFill>
+                    <a:srgbClr val="000000"/>
+                  </a:solidFill>
+                  <a:latin typeface="Cabin"/>
+                </a:rPr>
+                <a:t>tích</a:t>
+              </a:r>
+              <a:r>
+                <a:rPr lang="en-US" sz="2199" dirty="0">
+                  <a:solidFill>
+                    <a:srgbClr val="000000"/>
+                  </a:solidFill>
+                  <a:latin typeface="Cabin"/>
+                </a:rPr>
+                <a:t> </a:t>
+              </a:r>
+              <a:r>
+                <a:rPr lang="en-US" sz="2199" dirty="0" err="1">
+                  <a:solidFill>
+                    <a:srgbClr val="000000"/>
+                  </a:solidFill>
+                  <a:latin typeface="Cabin"/>
+                </a:rPr>
+                <a:t>thiết</a:t>
+              </a:r>
+              <a:r>
+                <a:rPr lang="en-US" sz="2199" dirty="0">
+                  <a:solidFill>
+                    <a:srgbClr val="000000"/>
+                  </a:solidFill>
+                  <a:latin typeface="Cabin"/>
+                </a:rPr>
+                <a:t> </a:t>
+              </a:r>
+              <a:r>
+                <a:rPr lang="en-US" sz="2199" dirty="0" err="1">
+                  <a:solidFill>
+                    <a:srgbClr val="000000"/>
+                  </a:solidFill>
+                  <a:latin typeface="Cabin"/>
+                </a:rPr>
+                <a:t>kế</a:t>
+              </a:r>
+              <a:r>
+                <a:rPr lang="en-US" sz="2199" dirty="0">
+                  <a:solidFill>
+                    <a:srgbClr val="000000"/>
+                  </a:solidFill>
+                  <a:latin typeface="Cabin"/>
+                </a:rPr>
+                <a:t> </a:t>
+              </a:r>
+              <a:r>
+                <a:rPr lang="en-US" sz="2199" dirty="0" err="1">
+                  <a:solidFill>
+                    <a:srgbClr val="000000"/>
+                  </a:solidFill>
+                  <a:latin typeface="Cabin"/>
+                </a:rPr>
+                <a:t>và</a:t>
+              </a:r>
+              <a:r>
+                <a:rPr lang="en-US" sz="2199" dirty="0">
+                  <a:solidFill>
+                    <a:srgbClr val="000000"/>
+                  </a:solidFill>
+                  <a:latin typeface="Cabin"/>
+                </a:rPr>
+                <a:t> </a:t>
+              </a:r>
+              <a:r>
+                <a:rPr lang="en-US" sz="2199" dirty="0" err="1">
+                  <a:solidFill>
+                    <a:srgbClr val="000000"/>
+                  </a:solidFill>
+                  <a:latin typeface="Cabin"/>
+                </a:rPr>
+                <a:t>xây</a:t>
+              </a:r>
+              <a:r>
+                <a:rPr lang="en-US" sz="2199" dirty="0">
+                  <a:solidFill>
+                    <a:srgbClr val="000000"/>
+                  </a:solidFill>
+                  <a:latin typeface="Cabin"/>
+                </a:rPr>
+                <a:t> </a:t>
+              </a:r>
+              <a:r>
+                <a:rPr lang="en-US" sz="2199" dirty="0" err="1">
+                  <a:solidFill>
+                    <a:srgbClr val="000000"/>
+                  </a:solidFill>
+                  <a:latin typeface="Cabin"/>
+                </a:rPr>
+                <a:t>dựng</a:t>
+              </a:r>
+              <a:r>
+                <a:rPr lang="en-US" sz="2199" dirty="0">
+                  <a:solidFill>
+                    <a:srgbClr val="000000"/>
+                  </a:solidFill>
+                  <a:latin typeface="Cabin"/>
+                </a:rPr>
+                <a:t> website. </a:t>
               </a:r>
             </a:p>
             <a:p>
@@ -12926,13 +13565,175 @@
                 <a:buChar char="•"/>
               </a:pPr>
               <a:r>
-                <a:rPr lang="en-US" sz="2199">
-                  <a:solidFill>
-                    <a:srgbClr val="000000"/>
-                  </a:solidFill>
-                  <a:latin typeface="Cabin"/>
-                </a:rPr>
-                <a:t>Giao diện của chương trình thân thiện, dễ sử dụng. </a:t>
+                <a:rPr lang="en-US" sz="2199" dirty="0">
+                  <a:solidFill>
+                    <a:srgbClr val="000000"/>
+                  </a:solidFill>
+                  <a:latin typeface="Cabin"/>
+                </a:rPr>
+                <a:t>Giao </a:t>
+              </a:r>
+              <a:r>
+                <a:rPr lang="en-US" sz="2199" dirty="0" err="1">
+                  <a:solidFill>
+                    <a:srgbClr val="000000"/>
+                  </a:solidFill>
+                  <a:latin typeface="Cabin"/>
+                </a:rPr>
+                <a:t>diện</a:t>
+              </a:r>
+              <a:r>
+                <a:rPr lang="en-US" sz="2199" dirty="0">
+                  <a:solidFill>
+                    <a:srgbClr val="000000"/>
+                  </a:solidFill>
+                  <a:latin typeface="Cabin"/>
+                </a:rPr>
+                <a:t> </a:t>
+              </a:r>
+              <a:r>
+                <a:rPr lang="en-US" sz="2199" dirty="0" err="1">
+                  <a:solidFill>
+                    <a:srgbClr val="000000"/>
+                  </a:solidFill>
+                  <a:latin typeface="Cabin"/>
+                </a:rPr>
+                <a:t>của</a:t>
+              </a:r>
+              <a:r>
+                <a:rPr lang="en-US" sz="2199" dirty="0">
+                  <a:solidFill>
+                    <a:srgbClr val="000000"/>
+                  </a:solidFill>
+                  <a:latin typeface="Cabin"/>
+                </a:rPr>
+                <a:t> </a:t>
+              </a:r>
+              <a:r>
+                <a:rPr lang="en-US" sz="2199" dirty="0" err="1">
+                  <a:solidFill>
+                    <a:srgbClr val="000000"/>
+                  </a:solidFill>
+                  <a:latin typeface="Cabin"/>
+                </a:rPr>
+                <a:t>chương</a:t>
+              </a:r>
+              <a:r>
+                <a:rPr lang="en-US" sz="2199" dirty="0">
+                  <a:solidFill>
+                    <a:srgbClr val="000000"/>
+                  </a:solidFill>
+                  <a:latin typeface="Cabin"/>
+                </a:rPr>
+                <a:t> </a:t>
+              </a:r>
+              <a:r>
+                <a:rPr lang="en-US" sz="2199" dirty="0" err="1">
+                  <a:solidFill>
+                    <a:srgbClr val="000000"/>
+                  </a:solidFill>
+                  <a:latin typeface="Cabin"/>
+                </a:rPr>
+                <a:t>trình</a:t>
+              </a:r>
+              <a:r>
+                <a:rPr lang="en-US" sz="2199" dirty="0">
+                  <a:solidFill>
+                    <a:srgbClr val="000000"/>
+                  </a:solidFill>
+                  <a:latin typeface="Cabin"/>
+                </a:rPr>
+                <a:t> </a:t>
+              </a:r>
+              <a:r>
+                <a:rPr lang="en-US" sz="2199" dirty="0" err="1">
+                  <a:solidFill>
+                    <a:srgbClr val="000000"/>
+                  </a:solidFill>
+                  <a:latin typeface="Cabin"/>
+                </a:rPr>
+                <a:t>thân</a:t>
+              </a:r>
+              <a:r>
+                <a:rPr lang="en-US" sz="2199" dirty="0">
+                  <a:solidFill>
+                    <a:srgbClr val="000000"/>
+                  </a:solidFill>
+                  <a:latin typeface="Cabin"/>
+                </a:rPr>
+                <a:t> </a:t>
+              </a:r>
+              <a:r>
+                <a:rPr lang="en-US" sz="2199" dirty="0" err="1">
+                  <a:solidFill>
+                    <a:srgbClr val="000000"/>
+                  </a:solidFill>
+                  <a:latin typeface="Cabin"/>
+                </a:rPr>
+                <a:t>thiện</a:t>
+              </a:r>
+              <a:r>
+                <a:rPr lang="en-US" sz="2199" dirty="0">
+                  <a:solidFill>
+                    <a:srgbClr val="000000"/>
+                  </a:solidFill>
+                  <a:latin typeface="Cabin"/>
+                </a:rPr>
+                <a:t>, </a:t>
+              </a:r>
+              <a:r>
+                <a:rPr lang="en-US" sz="2199" dirty="0" err="1">
+                  <a:solidFill>
+                    <a:srgbClr val="000000"/>
+                  </a:solidFill>
+                  <a:latin typeface="Cabin"/>
+                </a:rPr>
+                <a:t>dễ</a:t>
+              </a:r>
+              <a:r>
+                <a:rPr lang="en-US" sz="2199" dirty="0">
+                  <a:solidFill>
+                    <a:srgbClr val="000000"/>
+                  </a:solidFill>
+                  <a:latin typeface="Cabin"/>
+                </a:rPr>
+                <a:t> </a:t>
+              </a:r>
+              <a:r>
+                <a:rPr lang="en-US" sz="2199" dirty="0" err="1">
+                  <a:solidFill>
+                    <a:srgbClr val="000000"/>
+                  </a:solidFill>
+                  <a:latin typeface="Cabin"/>
+                </a:rPr>
+                <a:t>sử</a:t>
+              </a:r>
+              <a:r>
+                <a:rPr lang="en-US" sz="2199" dirty="0">
+                  <a:solidFill>
+                    <a:srgbClr val="000000"/>
+                  </a:solidFill>
+                  <a:latin typeface="Cabin"/>
+                </a:rPr>
+                <a:t> </a:t>
+              </a:r>
+              <a:r>
+                <a:rPr lang="en-US" sz="2199" dirty="0" err="1">
+                  <a:solidFill>
+                    <a:srgbClr val="000000"/>
+                  </a:solidFill>
+                  <a:latin typeface="Cabin"/>
+                </a:rPr>
+                <a:t>dụng</a:t>
+              </a:r>
+              <a:r>
+                <a:rPr lang="en-US" sz="2199" dirty="0">
+                  <a:solidFill>
+                    <a:srgbClr val="000000"/>
+                  </a:solidFill>
+                  <a:latin typeface="Cabin"/>
+                </a:rPr>
+                <a:t>. </a:t>
               </a:r>
             </a:p>
             <a:p>
@@ -12944,13 +13745,949 @@
                 <a:buChar char="•"/>
               </a:pPr>
               <a:r>
-                <a:rPr lang="en-US" sz="2199">
-                  <a:solidFill>
-                    <a:srgbClr val="000000"/>
-                  </a:solidFill>
-                  <a:latin typeface="Cabin"/>
-                </a:rPr>
-                <a:t>Website đã giúp người dùng tiết kiệm thời gian công sức để có được một sản phẩm ưng ý. Dễ dàng quản lý thông tin chi tiết của người dùng, các thông tin về sản phẩm và những đơn hàng của người mua sản phẩm từ đó sẽ thuận tiện cho việc thanh toán và mua hàng. </a:t>
+                <a:rPr lang="en-US" sz="2199" dirty="0">
+                  <a:solidFill>
+                    <a:srgbClr val="000000"/>
+                  </a:solidFill>
+                  <a:latin typeface="Cabin"/>
+                </a:rPr>
+                <a:t>Website </a:t>
+              </a:r>
+              <a:r>
+                <a:rPr lang="en-US" sz="2199" dirty="0" err="1">
+                  <a:solidFill>
+                    <a:srgbClr val="000000"/>
+                  </a:solidFill>
+                  <a:latin typeface="Cabin"/>
+                </a:rPr>
+                <a:t>đã</a:t>
+              </a:r>
+              <a:r>
+                <a:rPr lang="en-US" sz="2199" dirty="0">
+                  <a:solidFill>
+                    <a:srgbClr val="000000"/>
+                  </a:solidFill>
+                  <a:latin typeface="Cabin"/>
+                </a:rPr>
+                <a:t> </a:t>
+              </a:r>
+              <a:r>
+                <a:rPr lang="en-US" sz="2199" dirty="0" err="1">
+                  <a:solidFill>
+                    <a:srgbClr val="000000"/>
+                  </a:solidFill>
+                  <a:latin typeface="Cabin"/>
+                </a:rPr>
+                <a:t>giúp</a:t>
+              </a:r>
+              <a:r>
+                <a:rPr lang="en-US" sz="2199" dirty="0">
+                  <a:solidFill>
+                    <a:srgbClr val="000000"/>
+                  </a:solidFill>
+                  <a:latin typeface="Cabin"/>
+                </a:rPr>
+                <a:t> </a:t>
+              </a:r>
+              <a:r>
+                <a:rPr lang="en-US" sz="2199" dirty="0" err="1">
+                  <a:solidFill>
+                    <a:srgbClr val="000000"/>
+                  </a:solidFill>
+                  <a:latin typeface="Cabin"/>
+                </a:rPr>
+                <a:t>người</a:t>
+              </a:r>
+              <a:r>
+                <a:rPr lang="en-US" sz="2199" dirty="0">
+                  <a:solidFill>
+                    <a:srgbClr val="000000"/>
+                  </a:solidFill>
+                  <a:latin typeface="Cabin"/>
+                </a:rPr>
+                <a:t> </a:t>
+              </a:r>
+              <a:r>
+                <a:rPr lang="en-US" sz="2199" dirty="0" err="1">
+                  <a:solidFill>
+                    <a:srgbClr val="000000"/>
+                  </a:solidFill>
+                  <a:latin typeface="Cabin"/>
+                </a:rPr>
+                <a:t>dùng</a:t>
+              </a:r>
+              <a:r>
+                <a:rPr lang="en-US" sz="2199" dirty="0">
+                  <a:solidFill>
+                    <a:srgbClr val="000000"/>
+                  </a:solidFill>
+                  <a:latin typeface="Cabin"/>
+                </a:rPr>
+                <a:t> </a:t>
+              </a:r>
+              <a:r>
+                <a:rPr lang="en-US" sz="2199" dirty="0" err="1">
+                  <a:solidFill>
+                    <a:srgbClr val="000000"/>
+                  </a:solidFill>
+                  <a:latin typeface="Cabin"/>
+                </a:rPr>
+                <a:t>tiết</a:t>
+              </a:r>
+              <a:r>
+                <a:rPr lang="en-US" sz="2199" dirty="0">
+                  <a:solidFill>
+                    <a:srgbClr val="000000"/>
+                  </a:solidFill>
+                  <a:latin typeface="Cabin"/>
+                </a:rPr>
+                <a:t> </a:t>
+              </a:r>
+              <a:r>
+                <a:rPr lang="en-US" sz="2199" dirty="0" err="1">
+                  <a:solidFill>
+                    <a:srgbClr val="000000"/>
+                  </a:solidFill>
+                  <a:latin typeface="Cabin"/>
+                </a:rPr>
+                <a:t>kiệm</a:t>
+              </a:r>
+              <a:r>
+                <a:rPr lang="en-US" sz="2199" dirty="0">
+                  <a:solidFill>
+                    <a:srgbClr val="000000"/>
+                  </a:solidFill>
+                  <a:latin typeface="Cabin"/>
+                </a:rPr>
+                <a:t> </a:t>
+              </a:r>
+              <a:r>
+                <a:rPr lang="en-US" sz="2199" dirty="0" err="1">
+                  <a:solidFill>
+                    <a:srgbClr val="000000"/>
+                  </a:solidFill>
+                  <a:latin typeface="Cabin"/>
+                </a:rPr>
+                <a:t>thời</a:t>
+              </a:r>
+              <a:r>
+                <a:rPr lang="en-US" sz="2199" dirty="0">
+                  <a:solidFill>
+                    <a:srgbClr val="000000"/>
+                  </a:solidFill>
+                  <a:latin typeface="Cabin"/>
+                </a:rPr>
+                <a:t> </a:t>
+              </a:r>
+              <a:r>
+                <a:rPr lang="en-US" sz="2199" dirty="0" err="1">
+                  <a:solidFill>
+                    <a:srgbClr val="000000"/>
+                  </a:solidFill>
+                  <a:latin typeface="Cabin"/>
+                </a:rPr>
+                <a:t>gian</a:t>
+              </a:r>
+              <a:r>
+                <a:rPr lang="en-US" sz="2199" dirty="0">
+                  <a:solidFill>
+                    <a:srgbClr val="000000"/>
+                  </a:solidFill>
+                  <a:latin typeface="Cabin"/>
+                </a:rPr>
+                <a:t> </a:t>
+              </a:r>
+              <a:r>
+                <a:rPr lang="en-US" sz="2199" dirty="0" err="1">
+                  <a:solidFill>
+                    <a:srgbClr val="000000"/>
+                  </a:solidFill>
+                  <a:latin typeface="Cabin"/>
+                </a:rPr>
+                <a:t>công</a:t>
+              </a:r>
+              <a:r>
+                <a:rPr lang="en-US" sz="2199" dirty="0">
+                  <a:solidFill>
+                    <a:srgbClr val="000000"/>
+                  </a:solidFill>
+                  <a:latin typeface="Cabin"/>
+                </a:rPr>
+                <a:t> </a:t>
+              </a:r>
+              <a:r>
+                <a:rPr lang="en-US" sz="2199" dirty="0" err="1">
+                  <a:solidFill>
+                    <a:srgbClr val="000000"/>
+                  </a:solidFill>
+                  <a:latin typeface="Cabin"/>
+                </a:rPr>
+                <a:t>sức</a:t>
+              </a:r>
+              <a:r>
+                <a:rPr lang="en-US" sz="2199" dirty="0">
+                  <a:solidFill>
+                    <a:srgbClr val="000000"/>
+                  </a:solidFill>
+                  <a:latin typeface="Cabin"/>
+                </a:rPr>
+                <a:t> </a:t>
+              </a:r>
+              <a:r>
+                <a:rPr lang="en-US" sz="2199" dirty="0" err="1">
+                  <a:solidFill>
+                    <a:srgbClr val="000000"/>
+                  </a:solidFill>
+                  <a:latin typeface="Cabin"/>
+                </a:rPr>
+                <a:t>để</a:t>
+              </a:r>
+              <a:r>
+                <a:rPr lang="en-US" sz="2199" dirty="0">
+                  <a:solidFill>
+                    <a:srgbClr val="000000"/>
+                  </a:solidFill>
+                  <a:latin typeface="Cabin"/>
+                </a:rPr>
+                <a:t> </a:t>
+              </a:r>
+              <a:r>
+                <a:rPr lang="en-US" sz="2199" dirty="0" err="1">
+                  <a:solidFill>
+                    <a:srgbClr val="000000"/>
+                  </a:solidFill>
+                  <a:latin typeface="Cabin"/>
+                </a:rPr>
+                <a:t>có</a:t>
+              </a:r>
+              <a:r>
+                <a:rPr lang="en-US" sz="2199" dirty="0">
+                  <a:solidFill>
+                    <a:srgbClr val="000000"/>
+                  </a:solidFill>
+                  <a:latin typeface="Cabin"/>
+                </a:rPr>
+                <a:t> </a:t>
+              </a:r>
+              <a:r>
+                <a:rPr lang="en-US" sz="2199" dirty="0" err="1">
+                  <a:solidFill>
+                    <a:srgbClr val="000000"/>
+                  </a:solidFill>
+                  <a:latin typeface="Cabin"/>
+                </a:rPr>
+                <a:t>được</a:t>
+              </a:r>
+              <a:r>
+                <a:rPr lang="en-US" sz="2199" dirty="0">
+                  <a:solidFill>
+                    <a:srgbClr val="000000"/>
+                  </a:solidFill>
+                  <a:latin typeface="Cabin"/>
+                </a:rPr>
+                <a:t> </a:t>
+              </a:r>
+              <a:r>
+                <a:rPr lang="en-US" sz="2199" dirty="0" err="1">
+                  <a:solidFill>
+                    <a:srgbClr val="000000"/>
+                  </a:solidFill>
+                  <a:latin typeface="Cabin"/>
+                </a:rPr>
+                <a:t>một</a:t>
+              </a:r>
+              <a:r>
+                <a:rPr lang="en-US" sz="2199" dirty="0">
+                  <a:solidFill>
+                    <a:srgbClr val="000000"/>
+                  </a:solidFill>
+                  <a:latin typeface="Cabin"/>
+                </a:rPr>
+                <a:t> </a:t>
+              </a:r>
+              <a:r>
+                <a:rPr lang="en-US" sz="2199" dirty="0" err="1">
+                  <a:solidFill>
+                    <a:srgbClr val="000000"/>
+                  </a:solidFill>
+                  <a:latin typeface="Cabin"/>
+                </a:rPr>
+                <a:t>sản</a:t>
+              </a:r>
+              <a:r>
+                <a:rPr lang="en-US" sz="2199" dirty="0">
+                  <a:solidFill>
+                    <a:srgbClr val="000000"/>
+                  </a:solidFill>
+                  <a:latin typeface="Cabin"/>
+                </a:rPr>
+                <a:t> </a:t>
+              </a:r>
+              <a:r>
+                <a:rPr lang="en-US" sz="2199" dirty="0" err="1">
+                  <a:solidFill>
+                    <a:srgbClr val="000000"/>
+                  </a:solidFill>
+                  <a:latin typeface="Cabin"/>
+                </a:rPr>
+                <a:t>phẩm</a:t>
+              </a:r>
+              <a:r>
+                <a:rPr lang="en-US" sz="2199" dirty="0">
+                  <a:solidFill>
+                    <a:srgbClr val="000000"/>
+                  </a:solidFill>
+                  <a:latin typeface="Cabin"/>
+                </a:rPr>
+                <a:t> </a:t>
+              </a:r>
+              <a:r>
+                <a:rPr lang="en-US" sz="2199" dirty="0" err="1">
+                  <a:solidFill>
+                    <a:srgbClr val="000000"/>
+                  </a:solidFill>
+                  <a:latin typeface="Cabin"/>
+                </a:rPr>
+                <a:t>ưng</a:t>
+              </a:r>
+              <a:r>
+                <a:rPr lang="en-US" sz="2199" dirty="0">
+                  <a:solidFill>
+                    <a:srgbClr val="000000"/>
+                  </a:solidFill>
+                  <a:latin typeface="Cabin"/>
+                </a:rPr>
+                <a:t> ý. </a:t>
+              </a:r>
+              <a:r>
+                <a:rPr lang="en-US" sz="2199" dirty="0" err="1">
+                  <a:solidFill>
+                    <a:srgbClr val="000000"/>
+                  </a:solidFill>
+                  <a:latin typeface="Cabin"/>
+                </a:rPr>
+                <a:t>Dễ</a:t>
+              </a:r>
+              <a:r>
+                <a:rPr lang="en-US" sz="2199" dirty="0">
+                  <a:solidFill>
+                    <a:srgbClr val="000000"/>
+                  </a:solidFill>
+                  <a:latin typeface="Cabin"/>
+                </a:rPr>
+                <a:t> </a:t>
+              </a:r>
+              <a:r>
+                <a:rPr lang="en-US" sz="2199" dirty="0" err="1">
+                  <a:solidFill>
+                    <a:srgbClr val="000000"/>
+                  </a:solidFill>
+                  <a:latin typeface="Cabin"/>
+                </a:rPr>
+                <a:t>dàng</a:t>
+              </a:r>
+              <a:r>
+                <a:rPr lang="en-US" sz="2199" dirty="0">
+                  <a:solidFill>
+                    <a:srgbClr val="000000"/>
+                  </a:solidFill>
+                  <a:latin typeface="Cabin"/>
+                </a:rPr>
+                <a:t> </a:t>
+              </a:r>
+              <a:r>
+                <a:rPr lang="en-US" sz="2199" dirty="0" err="1">
+                  <a:solidFill>
+                    <a:srgbClr val="000000"/>
+                  </a:solidFill>
+                  <a:latin typeface="Cabin"/>
+                </a:rPr>
+                <a:t>quản</a:t>
+              </a:r>
+              <a:r>
+                <a:rPr lang="en-US" sz="2199" dirty="0">
+                  <a:solidFill>
+                    <a:srgbClr val="000000"/>
+                  </a:solidFill>
+                  <a:latin typeface="Cabin"/>
+                </a:rPr>
+                <a:t> </a:t>
+              </a:r>
+              <a:r>
+                <a:rPr lang="en-US" sz="2199" dirty="0" err="1">
+                  <a:solidFill>
+                    <a:srgbClr val="000000"/>
+                  </a:solidFill>
+                  <a:latin typeface="Cabin"/>
+                </a:rPr>
+                <a:t>lý</a:t>
+              </a:r>
+              <a:r>
+                <a:rPr lang="en-US" sz="2199" dirty="0">
+                  <a:solidFill>
+                    <a:srgbClr val="000000"/>
+                  </a:solidFill>
+                  <a:latin typeface="Cabin"/>
+                </a:rPr>
+                <a:t> </a:t>
+              </a:r>
+              <a:r>
+                <a:rPr lang="en-US" sz="2199" dirty="0" err="1">
+                  <a:solidFill>
+                    <a:srgbClr val="000000"/>
+                  </a:solidFill>
+                  <a:latin typeface="Cabin"/>
+                </a:rPr>
+                <a:t>thông</a:t>
+              </a:r>
+              <a:r>
+                <a:rPr lang="en-US" sz="2199" dirty="0">
+                  <a:solidFill>
+                    <a:srgbClr val="000000"/>
+                  </a:solidFill>
+                  <a:latin typeface="Cabin"/>
+                </a:rPr>
+                <a:t> tin chi </a:t>
+              </a:r>
+              <a:r>
+                <a:rPr lang="en-US" sz="2199" dirty="0" err="1">
+                  <a:solidFill>
+                    <a:srgbClr val="000000"/>
+                  </a:solidFill>
+                  <a:latin typeface="Cabin"/>
+                </a:rPr>
+                <a:t>tiết</a:t>
+              </a:r>
+              <a:r>
+                <a:rPr lang="en-US" sz="2199" dirty="0">
+                  <a:solidFill>
+                    <a:srgbClr val="000000"/>
+                  </a:solidFill>
+                  <a:latin typeface="Cabin"/>
+                </a:rPr>
+                <a:t> </a:t>
+              </a:r>
+              <a:r>
+                <a:rPr lang="en-US" sz="2199" dirty="0" err="1">
+                  <a:solidFill>
+                    <a:srgbClr val="000000"/>
+                  </a:solidFill>
+                  <a:latin typeface="Cabin"/>
+                </a:rPr>
+                <a:t>của</a:t>
+              </a:r>
+              <a:r>
+                <a:rPr lang="en-US" sz="2199" dirty="0">
+                  <a:solidFill>
+                    <a:srgbClr val="000000"/>
+                  </a:solidFill>
+                  <a:latin typeface="Cabin"/>
+                </a:rPr>
+                <a:t> </a:t>
+              </a:r>
+              <a:r>
+                <a:rPr lang="en-US" sz="2199" dirty="0" err="1">
+                  <a:solidFill>
+                    <a:srgbClr val="000000"/>
+                  </a:solidFill>
+                  <a:latin typeface="Cabin"/>
+                </a:rPr>
+                <a:t>người</a:t>
+              </a:r>
+              <a:r>
+                <a:rPr lang="en-US" sz="2199" dirty="0">
+                  <a:solidFill>
+                    <a:srgbClr val="000000"/>
+                  </a:solidFill>
+                  <a:latin typeface="Cabin"/>
+                </a:rPr>
+                <a:t> </a:t>
+              </a:r>
+              <a:r>
+                <a:rPr lang="en-US" sz="2199" dirty="0" err="1">
+                  <a:solidFill>
+                    <a:srgbClr val="000000"/>
+                  </a:solidFill>
+                  <a:latin typeface="Cabin"/>
+                </a:rPr>
+                <a:t>dùng</a:t>
+              </a:r>
+              <a:r>
+                <a:rPr lang="en-US" sz="2199" dirty="0">
+                  <a:solidFill>
+                    <a:srgbClr val="000000"/>
+                  </a:solidFill>
+                  <a:latin typeface="Cabin"/>
+                </a:rPr>
+                <a:t>, </a:t>
+              </a:r>
+              <a:r>
+                <a:rPr lang="en-US" sz="2199" dirty="0" err="1">
+                  <a:solidFill>
+                    <a:srgbClr val="000000"/>
+                  </a:solidFill>
+                  <a:latin typeface="Cabin"/>
+                </a:rPr>
+                <a:t>các</a:t>
+              </a:r>
+              <a:r>
+                <a:rPr lang="en-US" sz="2199" dirty="0">
+                  <a:solidFill>
+                    <a:srgbClr val="000000"/>
+                  </a:solidFill>
+                  <a:latin typeface="Cabin"/>
+                </a:rPr>
+                <a:t> </a:t>
+              </a:r>
+              <a:r>
+                <a:rPr lang="en-US" sz="2199" dirty="0" err="1">
+                  <a:solidFill>
+                    <a:srgbClr val="000000"/>
+                  </a:solidFill>
+                  <a:latin typeface="Cabin"/>
+                </a:rPr>
+                <a:t>thông</a:t>
+              </a:r>
+              <a:r>
+                <a:rPr lang="en-US" sz="2199" dirty="0">
+                  <a:solidFill>
+                    <a:srgbClr val="000000"/>
+                  </a:solidFill>
+                  <a:latin typeface="Cabin"/>
+                </a:rPr>
+                <a:t> tin </a:t>
+              </a:r>
+              <a:r>
+                <a:rPr lang="en-US" sz="2199" dirty="0" err="1">
+                  <a:solidFill>
+                    <a:srgbClr val="000000"/>
+                  </a:solidFill>
+                  <a:latin typeface="Cabin"/>
+                </a:rPr>
+                <a:t>về</a:t>
+              </a:r>
+              <a:r>
+                <a:rPr lang="en-US" sz="2199" dirty="0">
+                  <a:solidFill>
+                    <a:srgbClr val="000000"/>
+                  </a:solidFill>
+                  <a:latin typeface="Cabin"/>
+                </a:rPr>
+                <a:t> </a:t>
+              </a:r>
+              <a:r>
+                <a:rPr lang="en-US" sz="2199" dirty="0" err="1">
+                  <a:solidFill>
+                    <a:srgbClr val="000000"/>
+                  </a:solidFill>
+                  <a:latin typeface="Cabin"/>
+                </a:rPr>
+                <a:t>sản</a:t>
+              </a:r>
+              <a:r>
+                <a:rPr lang="en-US" sz="2199" dirty="0">
+                  <a:solidFill>
+                    <a:srgbClr val="000000"/>
+                  </a:solidFill>
+                  <a:latin typeface="Cabin"/>
+                </a:rPr>
+                <a:t> </a:t>
+              </a:r>
+              <a:r>
+                <a:rPr lang="en-US" sz="2199" dirty="0" err="1">
+                  <a:solidFill>
+                    <a:srgbClr val="000000"/>
+                  </a:solidFill>
+                  <a:latin typeface="Cabin"/>
+                </a:rPr>
+                <a:t>phẩm</a:t>
+              </a:r>
+              <a:r>
+                <a:rPr lang="en-US" sz="2199" dirty="0">
+                  <a:solidFill>
+                    <a:srgbClr val="000000"/>
+                  </a:solidFill>
+                  <a:latin typeface="Cabin"/>
+                </a:rPr>
+                <a:t> </a:t>
+              </a:r>
+              <a:r>
+                <a:rPr lang="en-US" sz="2199" dirty="0" err="1">
+                  <a:solidFill>
+                    <a:srgbClr val="000000"/>
+                  </a:solidFill>
+                  <a:latin typeface="Cabin"/>
+                </a:rPr>
+                <a:t>và</a:t>
+              </a:r>
+              <a:r>
+                <a:rPr lang="en-US" sz="2199" dirty="0">
+                  <a:solidFill>
+                    <a:srgbClr val="000000"/>
+                  </a:solidFill>
+                  <a:latin typeface="Cabin"/>
+                </a:rPr>
+                <a:t> </a:t>
+              </a:r>
+              <a:r>
+                <a:rPr lang="en-US" sz="2199" dirty="0" err="1">
+                  <a:solidFill>
+                    <a:srgbClr val="000000"/>
+                  </a:solidFill>
+                  <a:latin typeface="Cabin"/>
+                </a:rPr>
+                <a:t>những</a:t>
+              </a:r>
+              <a:r>
+                <a:rPr lang="en-US" sz="2199" dirty="0">
+                  <a:solidFill>
+                    <a:srgbClr val="000000"/>
+                  </a:solidFill>
+                  <a:latin typeface="Cabin"/>
+                </a:rPr>
+                <a:t> </a:t>
+              </a:r>
+              <a:r>
+                <a:rPr lang="en-US" sz="2199" dirty="0" err="1">
+                  <a:solidFill>
+                    <a:srgbClr val="000000"/>
+                  </a:solidFill>
+                  <a:latin typeface="Cabin"/>
+                </a:rPr>
+                <a:t>đơn</a:t>
+              </a:r>
+              <a:r>
+                <a:rPr lang="en-US" sz="2199" dirty="0">
+                  <a:solidFill>
+                    <a:srgbClr val="000000"/>
+                  </a:solidFill>
+                  <a:latin typeface="Cabin"/>
+                </a:rPr>
+                <a:t> </a:t>
+              </a:r>
+              <a:r>
+                <a:rPr lang="en-US" sz="2199" dirty="0" err="1">
+                  <a:solidFill>
+                    <a:srgbClr val="000000"/>
+                  </a:solidFill>
+                  <a:latin typeface="Cabin"/>
+                </a:rPr>
+                <a:t>hàng</a:t>
+              </a:r>
+              <a:r>
+                <a:rPr lang="en-US" sz="2199" dirty="0">
+                  <a:solidFill>
+                    <a:srgbClr val="000000"/>
+                  </a:solidFill>
+                  <a:latin typeface="Cabin"/>
+                </a:rPr>
+                <a:t> </a:t>
+              </a:r>
+              <a:r>
+                <a:rPr lang="en-US" sz="2199" dirty="0" err="1">
+                  <a:solidFill>
+                    <a:srgbClr val="000000"/>
+                  </a:solidFill>
+                  <a:latin typeface="Cabin"/>
+                </a:rPr>
+                <a:t>của</a:t>
+              </a:r>
+              <a:r>
+                <a:rPr lang="en-US" sz="2199" dirty="0">
+                  <a:solidFill>
+                    <a:srgbClr val="000000"/>
+                  </a:solidFill>
+                  <a:latin typeface="Cabin"/>
+                </a:rPr>
+                <a:t> </a:t>
+              </a:r>
+              <a:r>
+                <a:rPr lang="en-US" sz="2199" dirty="0" err="1">
+                  <a:solidFill>
+                    <a:srgbClr val="000000"/>
+                  </a:solidFill>
+                  <a:latin typeface="Cabin"/>
+                </a:rPr>
+                <a:t>người</a:t>
+              </a:r>
+              <a:r>
+                <a:rPr lang="en-US" sz="2199" dirty="0">
+                  <a:solidFill>
+                    <a:srgbClr val="000000"/>
+                  </a:solidFill>
+                  <a:latin typeface="Cabin"/>
+                </a:rPr>
+                <a:t> </a:t>
+              </a:r>
+              <a:r>
+                <a:rPr lang="en-US" sz="2199" dirty="0" err="1">
+                  <a:solidFill>
+                    <a:srgbClr val="000000"/>
+                  </a:solidFill>
+                  <a:latin typeface="Cabin"/>
+                </a:rPr>
+                <a:t>mua</a:t>
+              </a:r>
+              <a:r>
+                <a:rPr lang="en-US" sz="2199" dirty="0">
+                  <a:solidFill>
+                    <a:srgbClr val="000000"/>
+                  </a:solidFill>
+                  <a:latin typeface="Cabin"/>
+                </a:rPr>
+                <a:t> </a:t>
+              </a:r>
+              <a:r>
+                <a:rPr lang="en-US" sz="2199" dirty="0" err="1">
+                  <a:solidFill>
+                    <a:srgbClr val="000000"/>
+                  </a:solidFill>
+                  <a:latin typeface="Cabin"/>
+                </a:rPr>
+                <a:t>sản</a:t>
+              </a:r>
+              <a:r>
+                <a:rPr lang="en-US" sz="2199" dirty="0">
+                  <a:solidFill>
+                    <a:srgbClr val="000000"/>
+                  </a:solidFill>
+                  <a:latin typeface="Cabin"/>
+                </a:rPr>
+                <a:t> </a:t>
+              </a:r>
+              <a:r>
+                <a:rPr lang="en-US" sz="2199" dirty="0" err="1">
+                  <a:solidFill>
+                    <a:srgbClr val="000000"/>
+                  </a:solidFill>
+                  <a:latin typeface="Cabin"/>
+                </a:rPr>
+                <a:t>phẩm</a:t>
+              </a:r>
+              <a:r>
+                <a:rPr lang="en-US" sz="2199" dirty="0">
+                  <a:solidFill>
+                    <a:srgbClr val="000000"/>
+                  </a:solidFill>
+                  <a:latin typeface="Cabin"/>
+                </a:rPr>
+                <a:t> </a:t>
+              </a:r>
+              <a:r>
+                <a:rPr lang="en-US" sz="2199" dirty="0" err="1">
+                  <a:solidFill>
+                    <a:srgbClr val="000000"/>
+                  </a:solidFill>
+                  <a:latin typeface="Cabin"/>
+                </a:rPr>
+                <a:t>từ</a:t>
+              </a:r>
+              <a:r>
+                <a:rPr lang="en-US" sz="2199" dirty="0">
+                  <a:solidFill>
+                    <a:srgbClr val="000000"/>
+                  </a:solidFill>
+                  <a:latin typeface="Cabin"/>
+                </a:rPr>
+                <a:t> </a:t>
+              </a:r>
+              <a:r>
+                <a:rPr lang="en-US" sz="2199" dirty="0" err="1">
+                  <a:solidFill>
+                    <a:srgbClr val="000000"/>
+                  </a:solidFill>
+                  <a:latin typeface="Cabin"/>
+                </a:rPr>
+                <a:t>đó</a:t>
+              </a:r>
+              <a:r>
+                <a:rPr lang="en-US" sz="2199" dirty="0">
+                  <a:solidFill>
+                    <a:srgbClr val="000000"/>
+                  </a:solidFill>
+                  <a:latin typeface="Cabin"/>
+                </a:rPr>
+                <a:t> </a:t>
+              </a:r>
+              <a:r>
+                <a:rPr lang="en-US" sz="2199" dirty="0" err="1">
+                  <a:solidFill>
+                    <a:srgbClr val="000000"/>
+                  </a:solidFill>
+                  <a:latin typeface="Cabin"/>
+                </a:rPr>
+                <a:t>sẽ</a:t>
+              </a:r>
+              <a:r>
+                <a:rPr lang="en-US" sz="2199" dirty="0">
+                  <a:solidFill>
+                    <a:srgbClr val="000000"/>
+                  </a:solidFill>
+                  <a:latin typeface="Cabin"/>
+                </a:rPr>
+                <a:t> </a:t>
+              </a:r>
+              <a:r>
+                <a:rPr lang="en-US" sz="2199" dirty="0" err="1">
+                  <a:solidFill>
+                    <a:srgbClr val="000000"/>
+                  </a:solidFill>
+                  <a:latin typeface="Cabin"/>
+                </a:rPr>
+                <a:t>thuận</a:t>
+              </a:r>
+              <a:r>
+                <a:rPr lang="en-US" sz="2199" dirty="0">
+                  <a:solidFill>
+                    <a:srgbClr val="000000"/>
+                  </a:solidFill>
+                  <a:latin typeface="Cabin"/>
+                </a:rPr>
+                <a:t> </a:t>
+              </a:r>
+              <a:r>
+                <a:rPr lang="en-US" sz="2199" dirty="0" err="1">
+                  <a:solidFill>
+                    <a:srgbClr val="000000"/>
+                  </a:solidFill>
+                  <a:latin typeface="Cabin"/>
+                </a:rPr>
+                <a:t>tiện</a:t>
+              </a:r>
+              <a:r>
+                <a:rPr lang="en-US" sz="2199" dirty="0">
+                  <a:solidFill>
+                    <a:srgbClr val="000000"/>
+                  </a:solidFill>
+                  <a:latin typeface="Cabin"/>
+                </a:rPr>
+                <a:t> </a:t>
+              </a:r>
+              <a:r>
+                <a:rPr lang="en-US" sz="2199" dirty="0" err="1">
+                  <a:solidFill>
+                    <a:srgbClr val="000000"/>
+                  </a:solidFill>
+                  <a:latin typeface="Cabin"/>
+                </a:rPr>
+                <a:t>cho</a:t>
+              </a:r>
+              <a:r>
+                <a:rPr lang="en-US" sz="2199" dirty="0">
+                  <a:solidFill>
+                    <a:srgbClr val="000000"/>
+                  </a:solidFill>
+                  <a:latin typeface="Cabin"/>
+                </a:rPr>
+                <a:t> </a:t>
+              </a:r>
+              <a:r>
+                <a:rPr lang="en-US" sz="2199" dirty="0" err="1">
+                  <a:solidFill>
+                    <a:srgbClr val="000000"/>
+                  </a:solidFill>
+                  <a:latin typeface="Cabin"/>
+                </a:rPr>
+                <a:t>việc</a:t>
+              </a:r>
+              <a:r>
+                <a:rPr lang="en-US" sz="2199" dirty="0">
+                  <a:solidFill>
+                    <a:srgbClr val="000000"/>
+                  </a:solidFill>
+                  <a:latin typeface="Cabin"/>
+                </a:rPr>
+                <a:t> </a:t>
+              </a:r>
+              <a:r>
+                <a:rPr lang="en-US" sz="2199" dirty="0" err="1">
+                  <a:solidFill>
+                    <a:srgbClr val="000000"/>
+                  </a:solidFill>
+                  <a:latin typeface="Cabin"/>
+                </a:rPr>
+                <a:t>thanh</a:t>
+              </a:r>
+              <a:r>
+                <a:rPr lang="en-US" sz="2199" dirty="0">
+                  <a:solidFill>
+                    <a:srgbClr val="000000"/>
+                  </a:solidFill>
+                  <a:latin typeface="Cabin"/>
+                </a:rPr>
+                <a:t> </a:t>
+              </a:r>
+              <a:r>
+                <a:rPr lang="en-US" sz="2199" dirty="0" err="1">
+                  <a:solidFill>
+                    <a:srgbClr val="000000"/>
+                  </a:solidFill>
+                  <a:latin typeface="Cabin"/>
+                </a:rPr>
+                <a:t>toán</a:t>
+              </a:r>
+              <a:r>
+                <a:rPr lang="en-US" sz="2199" dirty="0">
+                  <a:solidFill>
+                    <a:srgbClr val="000000"/>
+                  </a:solidFill>
+                  <a:latin typeface="Cabin"/>
+                </a:rPr>
+                <a:t> </a:t>
+              </a:r>
+              <a:r>
+                <a:rPr lang="en-US" sz="2199" dirty="0" err="1">
+                  <a:solidFill>
+                    <a:srgbClr val="000000"/>
+                  </a:solidFill>
+                  <a:latin typeface="Cabin"/>
+                </a:rPr>
+                <a:t>và</a:t>
+              </a:r>
+              <a:r>
+                <a:rPr lang="en-US" sz="2199" dirty="0">
+                  <a:solidFill>
+                    <a:srgbClr val="000000"/>
+                  </a:solidFill>
+                  <a:latin typeface="Cabin"/>
+                </a:rPr>
+                <a:t> </a:t>
+              </a:r>
+              <a:r>
+                <a:rPr lang="en-US" sz="2199" dirty="0" err="1">
+                  <a:solidFill>
+                    <a:srgbClr val="000000"/>
+                  </a:solidFill>
+                  <a:latin typeface="Cabin"/>
+                </a:rPr>
+                <a:t>mua</a:t>
+              </a:r>
+              <a:r>
+                <a:rPr lang="en-US" sz="2199" dirty="0">
+                  <a:solidFill>
+                    <a:srgbClr val="000000"/>
+                  </a:solidFill>
+                  <a:latin typeface="Cabin"/>
+                </a:rPr>
+                <a:t> </a:t>
+              </a:r>
+              <a:r>
+                <a:rPr lang="en-US" sz="2199" dirty="0" err="1">
+                  <a:solidFill>
+                    <a:srgbClr val="000000"/>
+                  </a:solidFill>
+                  <a:latin typeface="Cabin"/>
+                </a:rPr>
+                <a:t>hàng</a:t>
+              </a:r>
+              <a:r>
+                <a:rPr lang="en-US" sz="2199" dirty="0">
+                  <a:solidFill>
+                    <a:srgbClr val="000000"/>
+                  </a:solidFill>
+                  <a:latin typeface="Cabin"/>
+                </a:rPr>
+                <a:t>. </a:t>
               </a:r>
             </a:p>
             <a:p>
@@ -12959,7 +14696,7 @@
                   <a:spcPts val="2859"/>
                 </a:lnSpc>
               </a:pPr>
-              <a:endParaRPr lang="en-US" sz="2199">
+              <a:endParaRPr lang="en-US" sz="2199" dirty="0">
                 <a:solidFill>
                   <a:srgbClr val="000000"/>
                 </a:solidFill>
@@ -14865,13 +16602,166 @@
                 <a:buChar char="•"/>
               </a:pPr>
               <a:r>
-                <a:rPr lang="en-US" sz="2199">
-                  <a:solidFill>
-                    <a:srgbClr val="000000"/>
-                  </a:solidFill>
-                  <a:latin typeface="Cabin"/>
-                </a:rPr>
-                <a:t>Thêm một số chức năng cho học viên và Admin</a:t>
+                <a:rPr lang="en-US" sz="2199" dirty="0" err="1">
+                  <a:solidFill>
+                    <a:srgbClr val="000000"/>
+                  </a:solidFill>
+                  <a:latin typeface="Cabin"/>
+                </a:rPr>
+                <a:t>Thêm</a:t>
+              </a:r>
+              <a:r>
+                <a:rPr lang="en-US" sz="2199" dirty="0">
+                  <a:solidFill>
+                    <a:srgbClr val="000000"/>
+                  </a:solidFill>
+                  <a:latin typeface="Cabin"/>
+                </a:rPr>
+                <a:t> </a:t>
+              </a:r>
+              <a:r>
+                <a:rPr lang="en-US" sz="2199" dirty="0" err="1">
+                  <a:solidFill>
+                    <a:srgbClr val="000000"/>
+                  </a:solidFill>
+                  <a:latin typeface="Cabin"/>
+                </a:rPr>
+                <a:t>một</a:t>
+              </a:r>
+              <a:r>
+                <a:rPr lang="en-US" sz="2199" dirty="0">
+                  <a:solidFill>
+                    <a:srgbClr val="000000"/>
+                  </a:solidFill>
+                  <a:latin typeface="Cabin"/>
+                </a:rPr>
+                <a:t> </a:t>
+              </a:r>
+              <a:r>
+                <a:rPr lang="en-US" sz="2199" dirty="0" err="1">
+                  <a:solidFill>
+                    <a:srgbClr val="000000"/>
+                  </a:solidFill>
+                  <a:latin typeface="Cabin"/>
+                </a:rPr>
+                <a:t>số</a:t>
+              </a:r>
+              <a:r>
+                <a:rPr lang="en-US" sz="2199" dirty="0">
+                  <a:solidFill>
+                    <a:srgbClr val="000000"/>
+                  </a:solidFill>
+                  <a:latin typeface="Cabin"/>
+                </a:rPr>
+                <a:t> </a:t>
+              </a:r>
+              <a:r>
+                <a:rPr lang="en-US" sz="2199" dirty="0" err="1">
+                  <a:solidFill>
+                    <a:srgbClr val="000000"/>
+                  </a:solidFill>
+                  <a:latin typeface="Cabin"/>
+                </a:rPr>
+                <a:t>chức</a:t>
+              </a:r>
+              <a:r>
+                <a:rPr lang="en-US" sz="2199" dirty="0">
+                  <a:solidFill>
+                    <a:srgbClr val="000000"/>
+                  </a:solidFill>
+                  <a:latin typeface="Cabin"/>
+                </a:rPr>
+                <a:t> </a:t>
+              </a:r>
+              <a:r>
+                <a:rPr lang="en-US" sz="2199" dirty="0" err="1">
+                  <a:solidFill>
+                    <a:srgbClr val="000000"/>
+                  </a:solidFill>
+                  <a:latin typeface="Cabin"/>
+                </a:rPr>
+                <a:t>năng</a:t>
+              </a:r>
+              <a:r>
+                <a:rPr lang="en-US" sz="2199" dirty="0">
+                  <a:solidFill>
+                    <a:srgbClr val="000000"/>
+                  </a:solidFill>
+                  <a:latin typeface="Cabin"/>
+                </a:rPr>
+                <a:t> </a:t>
+              </a:r>
+              <a:r>
+                <a:rPr lang="en-US" sz="2199" dirty="0" err="1">
+                  <a:solidFill>
+                    <a:srgbClr val="000000"/>
+                  </a:solidFill>
+                  <a:latin typeface="Cabin"/>
+                </a:rPr>
+                <a:t>cho</a:t>
+              </a:r>
+              <a:r>
+                <a:rPr lang="en-US" sz="2199" dirty="0">
+                  <a:solidFill>
+                    <a:srgbClr val="000000"/>
+                  </a:solidFill>
+                  <a:latin typeface="Cabin"/>
+                </a:rPr>
+                <a:t> </a:t>
+              </a:r>
+              <a:r>
+                <a:rPr lang="en-US" sz="2199" dirty="0" err="1">
+                  <a:solidFill>
+                    <a:srgbClr val="000000"/>
+                  </a:solidFill>
+                  <a:latin typeface="Cabin"/>
+                </a:rPr>
+                <a:t>học</a:t>
+              </a:r>
+              <a:r>
+                <a:rPr lang="en-US" sz="2199" dirty="0">
+                  <a:solidFill>
+                    <a:srgbClr val="000000"/>
+                  </a:solidFill>
+                  <a:latin typeface="Cabin"/>
+                </a:rPr>
+                <a:t> </a:t>
+              </a:r>
+              <a:r>
+                <a:rPr lang="en-US" sz="2199" dirty="0" err="1">
+                  <a:solidFill>
+                    <a:srgbClr val="000000"/>
+                  </a:solidFill>
+                  <a:latin typeface="Cabin"/>
+                </a:rPr>
+                <a:t>viên</a:t>
+              </a:r>
+              <a:r>
+                <a:rPr lang="en-US" sz="2199" dirty="0">
+                  <a:solidFill>
+                    <a:srgbClr val="000000"/>
+                  </a:solidFill>
+                  <a:latin typeface="Cabin"/>
+                </a:rPr>
+                <a:t> </a:t>
+              </a:r>
+              <a:r>
+                <a:rPr lang="en-US" sz="2199" dirty="0" err="1">
+                  <a:solidFill>
+                    <a:srgbClr val="000000"/>
+                  </a:solidFill>
+                  <a:latin typeface="Cabin"/>
+                </a:rPr>
+                <a:t>và</a:t>
+              </a:r>
+              <a:r>
+                <a:rPr lang="en-US" sz="2199" dirty="0">
+                  <a:solidFill>
+                    <a:srgbClr val="000000"/>
+                  </a:solidFill>
+                  <a:latin typeface="Cabin"/>
+                </a:rPr>
+                <a:t> Admin</a:t>
               </a:r>
             </a:p>
             <a:p>
@@ -14883,13 +16773,166 @@
                 <a:buChar char="•"/>
               </a:pPr>
               <a:r>
-                <a:rPr lang="en-US" sz="2199">
-                  <a:solidFill>
-                    <a:srgbClr val="000000"/>
-                  </a:solidFill>
-                  <a:latin typeface="Cabin"/>
-                </a:rPr>
-                <a:t>Tăng cường vấn đề bảo mật dữ liệu cho website.</a:t>
+                <a:rPr lang="en-US" sz="2199" dirty="0" err="1">
+                  <a:solidFill>
+                    <a:srgbClr val="000000"/>
+                  </a:solidFill>
+                  <a:latin typeface="Cabin"/>
+                </a:rPr>
+                <a:t>Tăng</a:t>
+              </a:r>
+              <a:r>
+                <a:rPr lang="en-US" sz="2199" dirty="0">
+                  <a:solidFill>
+                    <a:srgbClr val="000000"/>
+                  </a:solidFill>
+                  <a:latin typeface="Cabin"/>
+                </a:rPr>
+                <a:t> </a:t>
+              </a:r>
+              <a:r>
+                <a:rPr lang="en-US" sz="2199" dirty="0" err="1">
+                  <a:solidFill>
+                    <a:srgbClr val="000000"/>
+                  </a:solidFill>
+                  <a:latin typeface="Cabin"/>
+                </a:rPr>
+                <a:t>cường</a:t>
+              </a:r>
+              <a:r>
+                <a:rPr lang="en-US" sz="2199" dirty="0">
+                  <a:solidFill>
+                    <a:srgbClr val="000000"/>
+                  </a:solidFill>
+                  <a:latin typeface="Cabin"/>
+                </a:rPr>
+                <a:t> </a:t>
+              </a:r>
+              <a:r>
+                <a:rPr lang="en-US" sz="2199" dirty="0" err="1">
+                  <a:solidFill>
+                    <a:srgbClr val="000000"/>
+                  </a:solidFill>
+                  <a:latin typeface="Cabin"/>
+                </a:rPr>
+                <a:t>vấn</a:t>
+              </a:r>
+              <a:r>
+                <a:rPr lang="en-US" sz="2199" dirty="0">
+                  <a:solidFill>
+                    <a:srgbClr val="000000"/>
+                  </a:solidFill>
+                  <a:latin typeface="Cabin"/>
+                </a:rPr>
+                <a:t> </a:t>
+              </a:r>
+              <a:r>
+                <a:rPr lang="en-US" sz="2199" dirty="0" err="1">
+                  <a:solidFill>
+                    <a:srgbClr val="000000"/>
+                  </a:solidFill>
+                  <a:latin typeface="Cabin"/>
+                </a:rPr>
+                <a:t>đề</a:t>
+              </a:r>
+              <a:r>
+                <a:rPr lang="en-US" sz="2199" dirty="0">
+                  <a:solidFill>
+                    <a:srgbClr val="000000"/>
+                  </a:solidFill>
+                  <a:latin typeface="Cabin"/>
+                </a:rPr>
+                <a:t> </a:t>
+              </a:r>
+              <a:r>
+                <a:rPr lang="en-US" sz="2199" dirty="0" err="1">
+                  <a:solidFill>
+                    <a:srgbClr val="000000"/>
+                  </a:solidFill>
+                  <a:latin typeface="Cabin"/>
+                </a:rPr>
+                <a:t>bảo</a:t>
+              </a:r>
+              <a:r>
+                <a:rPr lang="en-US" sz="2199" dirty="0">
+                  <a:solidFill>
+                    <a:srgbClr val="000000"/>
+                  </a:solidFill>
+                  <a:latin typeface="Cabin"/>
+                </a:rPr>
+                <a:t> </a:t>
+              </a:r>
+              <a:r>
+                <a:rPr lang="en-US" sz="2199" dirty="0" err="1">
+                  <a:solidFill>
+                    <a:srgbClr val="000000"/>
+                  </a:solidFill>
+                  <a:latin typeface="Cabin"/>
+                </a:rPr>
+                <a:t>mật</a:t>
+              </a:r>
+              <a:r>
+                <a:rPr lang="en-US" sz="2199" dirty="0">
+                  <a:solidFill>
+                    <a:srgbClr val="000000"/>
+                  </a:solidFill>
+                  <a:latin typeface="Cabin"/>
+                </a:rPr>
+                <a:t> </a:t>
+              </a:r>
+              <a:r>
+                <a:rPr lang="en-US" sz="2199" dirty="0" err="1">
+                  <a:solidFill>
+                    <a:srgbClr val="000000"/>
+                  </a:solidFill>
+                  <a:latin typeface="Cabin"/>
+                </a:rPr>
+                <a:t>dữ</a:t>
+              </a:r>
+              <a:r>
+                <a:rPr lang="en-US" sz="2199" dirty="0">
+                  <a:solidFill>
+                    <a:srgbClr val="000000"/>
+                  </a:solidFill>
+                  <a:latin typeface="Cabin"/>
+                </a:rPr>
+                <a:t> </a:t>
+              </a:r>
+              <a:r>
+                <a:rPr lang="en-US" sz="2199" dirty="0" err="1">
+                  <a:solidFill>
+                    <a:srgbClr val="000000"/>
+                  </a:solidFill>
+                  <a:latin typeface="Cabin"/>
+                </a:rPr>
+                <a:t>liệu</a:t>
+              </a:r>
+              <a:r>
+                <a:rPr lang="en-US" sz="2199" dirty="0">
+                  <a:solidFill>
+                    <a:srgbClr val="000000"/>
+                  </a:solidFill>
+                  <a:latin typeface="Cabin"/>
+                </a:rPr>
+                <a:t> </a:t>
+              </a:r>
+              <a:r>
+                <a:rPr lang="en-US" sz="2199" dirty="0" err="1">
+                  <a:solidFill>
+                    <a:srgbClr val="000000"/>
+                  </a:solidFill>
+                  <a:latin typeface="Cabin"/>
+                </a:rPr>
+                <a:t>cho</a:t>
+              </a:r>
+              <a:r>
+                <a:rPr lang="en-US" sz="2199" dirty="0">
+                  <a:solidFill>
+                    <a:srgbClr val="000000"/>
+                  </a:solidFill>
+                  <a:latin typeface="Cabin"/>
+                </a:rPr>
+                <a:t> website.</a:t>
               </a:r>
             </a:p>
             <a:p>
@@ -14901,13 +16944,238 @@
                 <a:buChar char="•"/>
               </a:pPr>
               <a:r>
-                <a:rPr lang="en-US" sz="2199">
-                  <a:solidFill>
-                    <a:srgbClr val="000000"/>
-                  </a:solidFill>
-                  <a:latin typeface="Cabin"/>
-                </a:rPr>
-                <a:t>Áp dụng AI, Machine Learning vào giải đáp các vấn đề của học viên qua chức năng live chat.</a:t>
+                <a:rPr lang="en-US" sz="2199" dirty="0" err="1">
+                  <a:solidFill>
+                    <a:srgbClr val="000000"/>
+                  </a:solidFill>
+                  <a:latin typeface="Cabin"/>
+                </a:rPr>
+                <a:t>Áp</a:t>
+              </a:r>
+              <a:r>
+                <a:rPr lang="en-US" sz="2199" dirty="0">
+                  <a:solidFill>
+                    <a:srgbClr val="000000"/>
+                  </a:solidFill>
+                  <a:latin typeface="Cabin"/>
+                </a:rPr>
+                <a:t> </a:t>
+              </a:r>
+              <a:r>
+                <a:rPr lang="en-US" sz="2199" dirty="0" err="1">
+                  <a:solidFill>
+                    <a:srgbClr val="000000"/>
+                  </a:solidFill>
+                  <a:latin typeface="Cabin"/>
+                </a:rPr>
+                <a:t>dụng</a:t>
+              </a:r>
+              <a:r>
+                <a:rPr lang="en-US" sz="2199" dirty="0">
+                  <a:solidFill>
+                    <a:srgbClr val="000000"/>
+                  </a:solidFill>
+                  <a:latin typeface="Cabin"/>
+                </a:rPr>
+                <a:t> AI, Machine Learning </a:t>
+              </a:r>
+              <a:r>
+                <a:rPr lang="en-US" sz="2199" dirty="0" err="1">
+                  <a:solidFill>
+                    <a:srgbClr val="000000"/>
+                  </a:solidFill>
+                  <a:latin typeface="Cabin"/>
+                </a:rPr>
+                <a:t>vào</a:t>
+              </a:r>
+              <a:r>
+                <a:rPr lang="en-US" sz="2199" dirty="0">
+                  <a:solidFill>
+                    <a:srgbClr val="000000"/>
+                  </a:solidFill>
+                  <a:latin typeface="Cabin"/>
+                </a:rPr>
+                <a:t> </a:t>
+              </a:r>
+              <a:r>
+                <a:rPr lang="en-US" sz="2199" dirty="0" err="1">
+                  <a:solidFill>
+                    <a:srgbClr val="000000"/>
+                  </a:solidFill>
+                  <a:latin typeface="Cabin"/>
+                </a:rPr>
+                <a:t>giải</a:t>
+              </a:r>
+              <a:r>
+                <a:rPr lang="en-US" sz="2199" dirty="0">
+                  <a:solidFill>
+                    <a:srgbClr val="000000"/>
+                  </a:solidFill>
+                  <a:latin typeface="Cabin"/>
+                </a:rPr>
+                <a:t> </a:t>
+              </a:r>
+              <a:r>
+                <a:rPr lang="en-US" sz="2199" dirty="0" err="1">
+                  <a:solidFill>
+                    <a:srgbClr val="000000"/>
+                  </a:solidFill>
+                  <a:latin typeface="Cabin"/>
+                </a:rPr>
+                <a:t>đáp</a:t>
+              </a:r>
+              <a:r>
+                <a:rPr lang="en-US" sz="2199" dirty="0">
+                  <a:solidFill>
+                    <a:srgbClr val="000000"/>
+                  </a:solidFill>
+                  <a:latin typeface="Cabin"/>
+                </a:rPr>
+                <a:t> </a:t>
+              </a:r>
+              <a:r>
+                <a:rPr lang="en-US" sz="2199" dirty="0" err="1">
+                  <a:solidFill>
+                    <a:srgbClr val="000000"/>
+                  </a:solidFill>
+                  <a:latin typeface="Cabin"/>
+                </a:rPr>
+                <a:t>các</a:t>
+              </a:r>
+              <a:r>
+                <a:rPr lang="en-US" sz="2199" dirty="0">
+                  <a:solidFill>
+                    <a:srgbClr val="000000"/>
+                  </a:solidFill>
+                  <a:latin typeface="Cabin"/>
+                </a:rPr>
+                <a:t> </a:t>
+              </a:r>
+              <a:r>
+                <a:rPr lang="en-US" sz="2199" dirty="0" err="1">
+                  <a:solidFill>
+                    <a:srgbClr val="000000"/>
+                  </a:solidFill>
+                  <a:latin typeface="Cabin"/>
+                </a:rPr>
+                <a:t>vấn</a:t>
+              </a:r>
+              <a:r>
+                <a:rPr lang="en-US" sz="2199" dirty="0">
+                  <a:solidFill>
+                    <a:srgbClr val="000000"/>
+                  </a:solidFill>
+                  <a:latin typeface="Cabin"/>
+                </a:rPr>
+                <a:t> </a:t>
+              </a:r>
+              <a:r>
+                <a:rPr lang="en-US" sz="2199" dirty="0" err="1">
+                  <a:solidFill>
+                    <a:srgbClr val="000000"/>
+                  </a:solidFill>
+                  <a:latin typeface="Cabin"/>
+                </a:rPr>
+                <a:t>đề</a:t>
+              </a:r>
+              <a:r>
+                <a:rPr lang="en-US" sz="2199" dirty="0">
+                  <a:solidFill>
+                    <a:srgbClr val="000000"/>
+                  </a:solidFill>
+                  <a:latin typeface="Cabin"/>
+                </a:rPr>
+                <a:t> </a:t>
+              </a:r>
+              <a:r>
+                <a:rPr lang="en-US" sz="2199" dirty="0" err="1">
+                  <a:solidFill>
+                    <a:srgbClr val="000000"/>
+                  </a:solidFill>
+                  <a:latin typeface="Cabin"/>
+                </a:rPr>
+                <a:t>của</a:t>
+              </a:r>
+              <a:r>
+                <a:rPr lang="en-US" sz="2199" dirty="0">
+                  <a:solidFill>
+                    <a:srgbClr val="000000"/>
+                  </a:solidFill>
+                  <a:latin typeface="Cabin"/>
+                </a:rPr>
+                <a:t> </a:t>
+              </a:r>
+              <a:r>
+                <a:rPr lang="en-US" sz="2199" dirty="0" err="1">
+                  <a:solidFill>
+                    <a:srgbClr val="000000"/>
+                  </a:solidFill>
+                  <a:latin typeface="Cabin"/>
+                </a:rPr>
+                <a:t>học</a:t>
+              </a:r>
+              <a:r>
+                <a:rPr lang="en-US" sz="2199" dirty="0">
+                  <a:solidFill>
+                    <a:srgbClr val="000000"/>
+                  </a:solidFill>
+                  <a:latin typeface="Cabin"/>
+                </a:rPr>
+                <a:t> </a:t>
+              </a:r>
+              <a:r>
+                <a:rPr lang="en-US" sz="2199" dirty="0" err="1">
+                  <a:solidFill>
+                    <a:srgbClr val="000000"/>
+                  </a:solidFill>
+                  <a:latin typeface="Cabin"/>
+                </a:rPr>
+                <a:t>viên</a:t>
+              </a:r>
+              <a:r>
+                <a:rPr lang="en-US" sz="2199" dirty="0">
+                  <a:solidFill>
+                    <a:srgbClr val="000000"/>
+                  </a:solidFill>
+                  <a:latin typeface="Cabin"/>
+                </a:rPr>
+                <a:t> qua </a:t>
+              </a:r>
+              <a:r>
+                <a:rPr lang="en-US" sz="2199" dirty="0" err="1">
+                  <a:solidFill>
+                    <a:srgbClr val="000000"/>
+                  </a:solidFill>
+                  <a:latin typeface="Cabin"/>
+                </a:rPr>
+                <a:t>chức</a:t>
+              </a:r>
+              <a:r>
+                <a:rPr lang="en-US" sz="2199" dirty="0">
+                  <a:solidFill>
+                    <a:srgbClr val="000000"/>
+                  </a:solidFill>
+                  <a:latin typeface="Cabin"/>
+                </a:rPr>
+                <a:t> </a:t>
+              </a:r>
+              <a:r>
+                <a:rPr lang="en-US" sz="2199" dirty="0" err="1">
+                  <a:solidFill>
+                    <a:srgbClr val="000000"/>
+                  </a:solidFill>
+                  <a:latin typeface="Cabin"/>
+                </a:rPr>
+                <a:t>năng</a:t>
+              </a:r>
+              <a:r>
+                <a:rPr lang="en-US" sz="2199" dirty="0">
+                  <a:solidFill>
+                    <a:srgbClr val="000000"/>
+                  </a:solidFill>
+                  <a:latin typeface="Cabin"/>
+                </a:rPr>
+                <a:t> live chat.</a:t>
               </a:r>
             </a:p>
             <a:p>
@@ -14919,13 +17187,688 @@
                 <a:buChar char="•"/>
               </a:pPr>
               <a:r>
-                <a:rPr lang="en-US" sz="2199">
-                  <a:solidFill>
-                    <a:srgbClr val="000000"/>
-                  </a:solidFill>
-                  <a:latin typeface="Cabin"/>
-                </a:rPr>
-                <a:t>Áp dụng một số mô hình xây dựng website khác ngoài Mô hình thác nước (Waterfall) vào quá trình phát triển phần mềm: Mô hình xoắn ốc (Spiral model), Mô hình Agile, Mô hình tiếp cận lặp (Iterative model), Mô hình tăng trưởng (Incremental model), Mô hình Scrum,…</a:t>
+                <a:rPr lang="en-US" sz="2199" dirty="0" err="1">
+                  <a:solidFill>
+                    <a:srgbClr val="000000"/>
+                  </a:solidFill>
+                  <a:latin typeface="Cabin"/>
+                </a:rPr>
+                <a:t>Áp</a:t>
+              </a:r>
+              <a:r>
+                <a:rPr lang="en-US" sz="2199" dirty="0">
+                  <a:solidFill>
+                    <a:srgbClr val="000000"/>
+                  </a:solidFill>
+                  <a:latin typeface="Cabin"/>
+                </a:rPr>
+                <a:t> </a:t>
+              </a:r>
+              <a:r>
+                <a:rPr lang="en-US" sz="2199" dirty="0" err="1">
+                  <a:solidFill>
+                    <a:srgbClr val="000000"/>
+                  </a:solidFill>
+                  <a:latin typeface="Cabin"/>
+                </a:rPr>
+                <a:t>dụng</a:t>
+              </a:r>
+              <a:r>
+                <a:rPr lang="en-US" sz="2199" dirty="0">
+                  <a:solidFill>
+                    <a:srgbClr val="000000"/>
+                  </a:solidFill>
+                  <a:latin typeface="Cabin"/>
+                </a:rPr>
+                <a:t> </a:t>
+              </a:r>
+              <a:r>
+                <a:rPr lang="en-US" sz="2199" dirty="0" err="1">
+                  <a:solidFill>
+                    <a:srgbClr val="000000"/>
+                  </a:solidFill>
+                  <a:latin typeface="Cabin"/>
+                </a:rPr>
+                <a:t>một</a:t>
+              </a:r>
+              <a:r>
+                <a:rPr lang="en-US" sz="2199" dirty="0">
+                  <a:solidFill>
+                    <a:srgbClr val="000000"/>
+                  </a:solidFill>
+                  <a:latin typeface="Cabin"/>
+                </a:rPr>
+                <a:t> </a:t>
+              </a:r>
+              <a:r>
+                <a:rPr lang="en-US" sz="2199" dirty="0" err="1">
+                  <a:solidFill>
+                    <a:srgbClr val="000000"/>
+                  </a:solidFill>
+                  <a:latin typeface="Cabin"/>
+                </a:rPr>
+                <a:t>số</a:t>
+              </a:r>
+              <a:r>
+                <a:rPr lang="en-US" sz="2199" dirty="0">
+                  <a:solidFill>
+                    <a:srgbClr val="000000"/>
+                  </a:solidFill>
+                  <a:latin typeface="Cabin"/>
+                </a:rPr>
+                <a:t> </a:t>
+              </a:r>
+              <a:r>
+                <a:rPr lang="en-US" sz="2199" dirty="0" err="1">
+                  <a:solidFill>
+                    <a:srgbClr val="000000"/>
+                  </a:solidFill>
+                  <a:latin typeface="Cabin"/>
+                </a:rPr>
+                <a:t>mô</a:t>
+              </a:r>
+              <a:r>
+                <a:rPr lang="en-US" sz="2199" dirty="0">
+                  <a:solidFill>
+                    <a:srgbClr val="000000"/>
+                  </a:solidFill>
+                  <a:latin typeface="Cabin"/>
+                </a:rPr>
+                <a:t> </a:t>
+              </a:r>
+              <a:r>
+                <a:rPr lang="en-US" sz="2199" dirty="0" err="1">
+                  <a:solidFill>
+                    <a:srgbClr val="000000"/>
+                  </a:solidFill>
+                  <a:latin typeface="Cabin"/>
+                </a:rPr>
+                <a:t>hình</a:t>
+              </a:r>
+              <a:r>
+                <a:rPr lang="en-US" sz="2199" dirty="0">
+                  <a:solidFill>
+                    <a:srgbClr val="000000"/>
+                  </a:solidFill>
+                  <a:latin typeface="Cabin"/>
+                </a:rPr>
+                <a:t> </a:t>
+              </a:r>
+              <a:r>
+                <a:rPr lang="en-US" sz="2199" dirty="0" err="1">
+                  <a:solidFill>
+                    <a:srgbClr val="000000"/>
+                  </a:solidFill>
+                  <a:latin typeface="Cabin"/>
+                </a:rPr>
+                <a:t>xây</a:t>
+              </a:r>
+              <a:r>
+                <a:rPr lang="en-US" sz="2199" dirty="0">
+                  <a:solidFill>
+                    <a:srgbClr val="000000"/>
+                  </a:solidFill>
+                  <a:latin typeface="Cabin"/>
+                </a:rPr>
+                <a:t> </a:t>
+              </a:r>
+              <a:r>
+                <a:rPr lang="en-US" sz="2199" dirty="0" err="1">
+                  <a:solidFill>
+                    <a:srgbClr val="000000"/>
+                  </a:solidFill>
+                  <a:latin typeface="Cabin"/>
+                </a:rPr>
+                <a:t>dựng</a:t>
+              </a:r>
+              <a:r>
+                <a:rPr lang="en-US" sz="2199" dirty="0">
+                  <a:solidFill>
+                    <a:srgbClr val="000000"/>
+                  </a:solidFill>
+                  <a:latin typeface="Cabin"/>
+                </a:rPr>
+                <a:t> website </a:t>
+              </a:r>
+              <a:r>
+                <a:rPr lang="en-US" sz="2199" dirty="0" err="1">
+                  <a:solidFill>
+                    <a:srgbClr val="000000"/>
+                  </a:solidFill>
+                  <a:latin typeface="Cabin"/>
+                </a:rPr>
+                <a:t>khác</a:t>
+              </a:r>
+              <a:r>
+                <a:rPr lang="en-US" sz="2199" dirty="0">
+                  <a:solidFill>
+                    <a:srgbClr val="000000"/>
+                  </a:solidFill>
+                  <a:latin typeface="Cabin"/>
+                </a:rPr>
+                <a:t> </a:t>
+              </a:r>
+              <a:r>
+                <a:rPr lang="en-US" sz="2199" dirty="0" err="1">
+                  <a:solidFill>
+                    <a:srgbClr val="000000"/>
+                  </a:solidFill>
+                  <a:latin typeface="Cabin"/>
+                </a:rPr>
+                <a:t>ngoài</a:t>
+              </a:r>
+              <a:r>
+                <a:rPr lang="en-US" sz="2199" dirty="0">
+                  <a:solidFill>
+                    <a:srgbClr val="000000"/>
+                  </a:solidFill>
+                  <a:latin typeface="Cabin"/>
+                </a:rPr>
+                <a:t> </a:t>
+              </a:r>
+              <a:r>
+                <a:rPr lang="en-US" sz="2199" dirty="0" err="1">
+                  <a:solidFill>
+                    <a:srgbClr val="000000"/>
+                  </a:solidFill>
+                  <a:latin typeface="Cabin"/>
+                </a:rPr>
+                <a:t>Mô</a:t>
+              </a:r>
+              <a:r>
+                <a:rPr lang="en-US" sz="2199" dirty="0">
+                  <a:solidFill>
+                    <a:srgbClr val="000000"/>
+                  </a:solidFill>
+                  <a:latin typeface="Cabin"/>
+                </a:rPr>
+                <a:t> </a:t>
+              </a:r>
+              <a:r>
+                <a:rPr lang="en-US" sz="2199" dirty="0" err="1">
+                  <a:solidFill>
+                    <a:srgbClr val="000000"/>
+                  </a:solidFill>
+                  <a:latin typeface="Cabin"/>
+                </a:rPr>
+                <a:t>hình</a:t>
+              </a:r>
+              <a:r>
+                <a:rPr lang="en-US" sz="2199" dirty="0">
+                  <a:solidFill>
+                    <a:srgbClr val="000000"/>
+                  </a:solidFill>
+                  <a:latin typeface="Cabin"/>
+                </a:rPr>
+                <a:t> </a:t>
+              </a:r>
+              <a:r>
+                <a:rPr lang="en-US" sz="2199" dirty="0" err="1">
+                  <a:solidFill>
+                    <a:srgbClr val="000000"/>
+                  </a:solidFill>
+                  <a:latin typeface="Cabin"/>
+                </a:rPr>
+                <a:t>thác</a:t>
+              </a:r>
+              <a:r>
+                <a:rPr lang="en-US" sz="2199" dirty="0">
+                  <a:solidFill>
+                    <a:srgbClr val="000000"/>
+                  </a:solidFill>
+                  <a:latin typeface="Cabin"/>
+                </a:rPr>
+                <a:t> </a:t>
+              </a:r>
+              <a:r>
+                <a:rPr lang="en-US" sz="2199" dirty="0" err="1">
+                  <a:solidFill>
+                    <a:srgbClr val="000000"/>
+                  </a:solidFill>
+                  <a:latin typeface="Cabin"/>
+                </a:rPr>
+                <a:t>nước</a:t>
+              </a:r>
+              <a:r>
+                <a:rPr lang="en-US" sz="2199" dirty="0">
+                  <a:solidFill>
+                    <a:srgbClr val="000000"/>
+                  </a:solidFill>
+                  <a:latin typeface="Cabin"/>
+                </a:rPr>
+                <a:t> (Waterfall) </a:t>
+              </a:r>
+              <a:r>
+                <a:rPr lang="en-US" sz="2199" dirty="0" err="1">
+                  <a:solidFill>
+                    <a:srgbClr val="000000"/>
+                  </a:solidFill>
+                  <a:latin typeface="Cabin"/>
+                </a:rPr>
+                <a:t>vào</a:t>
+              </a:r>
+              <a:r>
+                <a:rPr lang="en-US" sz="2199" dirty="0">
+                  <a:solidFill>
+                    <a:srgbClr val="000000"/>
+                  </a:solidFill>
+                  <a:latin typeface="Cabin"/>
+                </a:rPr>
+                <a:t> </a:t>
+              </a:r>
+              <a:r>
+                <a:rPr lang="en-US" sz="2199" dirty="0" err="1">
+                  <a:solidFill>
+                    <a:srgbClr val="000000"/>
+                  </a:solidFill>
+                  <a:latin typeface="Cabin"/>
+                </a:rPr>
+                <a:t>quá</a:t>
+              </a:r>
+              <a:r>
+                <a:rPr lang="en-US" sz="2199" dirty="0">
+                  <a:solidFill>
+                    <a:srgbClr val="000000"/>
+                  </a:solidFill>
+                  <a:latin typeface="Cabin"/>
+                </a:rPr>
+                <a:t> </a:t>
+              </a:r>
+              <a:r>
+                <a:rPr lang="en-US" sz="2199" dirty="0" err="1">
+                  <a:solidFill>
+                    <a:srgbClr val="000000"/>
+                  </a:solidFill>
+                  <a:latin typeface="Cabin"/>
+                </a:rPr>
+                <a:t>trình</a:t>
+              </a:r>
+              <a:r>
+                <a:rPr lang="en-US" sz="2199" dirty="0">
+                  <a:solidFill>
+                    <a:srgbClr val="000000"/>
+                  </a:solidFill>
+                  <a:latin typeface="Cabin"/>
+                </a:rPr>
+                <a:t> </a:t>
+              </a:r>
+              <a:r>
+                <a:rPr lang="en-US" sz="2199" dirty="0" err="1">
+                  <a:solidFill>
+                    <a:srgbClr val="000000"/>
+                  </a:solidFill>
+                  <a:latin typeface="Cabin"/>
+                </a:rPr>
+                <a:t>phát</a:t>
+              </a:r>
+              <a:r>
+                <a:rPr lang="en-US" sz="2199" dirty="0">
+                  <a:solidFill>
+                    <a:srgbClr val="000000"/>
+                  </a:solidFill>
+                  <a:latin typeface="Cabin"/>
+                </a:rPr>
+                <a:t> </a:t>
+              </a:r>
+              <a:r>
+                <a:rPr lang="en-US" sz="2199" dirty="0" err="1">
+                  <a:solidFill>
+                    <a:srgbClr val="000000"/>
+                  </a:solidFill>
+                  <a:latin typeface="Cabin"/>
+                </a:rPr>
+                <a:t>triển</a:t>
+              </a:r>
+              <a:r>
+                <a:rPr lang="en-US" sz="2199" dirty="0">
+                  <a:solidFill>
+                    <a:srgbClr val="000000"/>
+                  </a:solidFill>
+                  <a:latin typeface="Cabin"/>
+                </a:rPr>
+                <a:t> </a:t>
+              </a:r>
+              <a:r>
+                <a:rPr lang="en-US" sz="2199" dirty="0" err="1">
+                  <a:solidFill>
+                    <a:srgbClr val="000000"/>
+                  </a:solidFill>
+                  <a:latin typeface="Cabin"/>
+                </a:rPr>
+                <a:t>phần</a:t>
+              </a:r>
+              <a:r>
+                <a:rPr lang="en-US" sz="2199" dirty="0">
+                  <a:solidFill>
+                    <a:srgbClr val="000000"/>
+                  </a:solidFill>
+                  <a:latin typeface="Cabin"/>
+                </a:rPr>
+                <a:t> </a:t>
+              </a:r>
+              <a:r>
+                <a:rPr lang="en-US" sz="2199" dirty="0" err="1">
+                  <a:solidFill>
+                    <a:srgbClr val="000000"/>
+                  </a:solidFill>
+                  <a:latin typeface="Cabin"/>
+                </a:rPr>
+                <a:t>mềm</a:t>
+              </a:r>
+              <a:r>
+                <a:rPr lang="en-US" sz="2199" dirty="0">
+                  <a:solidFill>
+                    <a:srgbClr val="000000"/>
+                  </a:solidFill>
+                  <a:latin typeface="Cabin"/>
+                </a:rPr>
+                <a:t>: </a:t>
+              </a:r>
+              <a:r>
+                <a:rPr lang="en-US" sz="2199" dirty="0" err="1">
+                  <a:solidFill>
+                    <a:srgbClr val="000000"/>
+                  </a:solidFill>
+                  <a:latin typeface="Cabin"/>
+                </a:rPr>
+                <a:t>Mô</a:t>
+              </a:r>
+              <a:r>
+                <a:rPr lang="en-US" sz="2199" dirty="0">
+                  <a:solidFill>
+                    <a:srgbClr val="000000"/>
+                  </a:solidFill>
+                  <a:latin typeface="Cabin"/>
+                </a:rPr>
+                <a:t> </a:t>
+              </a:r>
+              <a:r>
+                <a:rPr lang="en-US" sz="2199" dirty="0" err="1">
+                  <a:solidFill>
+                    <a:srgbClr val="000000"/>
+                  </a:solidFill>
+                  <a:latin typeface="Cabin"/>
+                </a:rPr>
+                <a:t>hình</a:t>
+              </a:r>
+              <a:r>
+                <a:rPr lang="en-US" sz="2199" dirty="0">
+                  <a:solidFill>
+                    <a:srgbClr val="000000"/>
+                  </a:solidFill>
+                  <a:latin typeface="Cabin"/>
+                </a:rPr>
+                <a:t> </a:t>
+              </a:r>
+              <a:r>
+                <a:rPr lang="en-US" sz="2199" dirty="0" err="1">
+                  <a:solidFill>
+                    <a:srgbClr val="000000"/>
+                  </a:solidFill>
+                  <a:latin typeface="Cabin"/>
+                </a:rPr>
+                <a:t>xoắn</a:t>
+              </a:r>
+              <a:r>
+                <a:rPr lang="en-US" sz="2199" dirty="0">
+                  <a:solidFill>
+                    <a:srgbClr val="000000"/>
+                  </a:solidFill>
+                  <a:latin typeface="Cabin"/>
+                </a:rPr>
+                <a:t> </a:t>
+              </a:r>
+              <a:r>
+                <a:rPr lang="en-US" sz="2199" dirty="0" err="1">
+                  <a:solidFill>
+                    <a:srgbClr val="000000"/>
+                  </a:solidFill>
+                  <a:latin typeface="Cabin"/>
+                </a:rPr>
+                <a:t>ốc</a:t>
+              </a:r>
+              <a:r>
+                <a:rPr lang="en-US" sz="2199" dirty="0">
+                  <a:solidFill>
+                    <a:srgbClr val="000000"/>
+                  </a:solidFill>
+                  <a:latin typeface="Cabin"/>
+                </a:rPr>
+                <a:t> (Spiral model), </a:t>
+              </a:r>
+              <a:r>
+                <a:rPr lang="en-US" sz="2199" dirty="0" err="1">
+                  <a:solidFill>
+                    <a:srgbClr val="000000"/>
+                  </a:solidFill>
+                  <a:latin typeface="Cabin"/>
+                </a:rPr>
+                <a:t>Mô</a:t>
+              </a:r>
+              <a:r>
+                <a:rPr lang="en-US" sz="2199" dirty="0">
+                  <a:solidFill>
+                    <a:srgbClr val="000000"/>
+                  </a:solidFill>
+                  <a:latin typeface="Cabin"/>
+                </a:rPr>
+                <a:t> </a:t>
+              </a:r>
+              <a:r>
+                <a:rPr lang="en-US" sz="2199" dirty="0" err="1">
+                  <a:solidFill>
+                    <a:srgbClr val="000000"/>
+                  </a:solidFill>
+                  <a:latin typeface="Cabin"/>
+                </a:rPr>
+                <a:t>hình</a:t>
+              </a:r>
+              <a:r>
+                <a:rPr lang="en-US" sz="2199" dirty="0">
+                  <a:solidFill>
+                    <a:srgbClr val="000000"/>
+                  </a:solidFill>
+                  <a:latin typeface="Cabin"/>
+                </a:rPr>
+                <a:t> Agile, </a:t>
+              </a:r>
+              <a:r>
+                <a:rPr lang="en-US" sz="2199" dirty="0" err="1">
+                  <a:solidFill>
+                    <a:srgbClr val="000000"/>
+                  </a:solidFill>
+                  <a:latin typeface="Cabin"/>
+                </a:rPr>
+                <a:t>Mô</a:t>
+              </a:r>
+              <a:r>
+                <a:rPr lang="en-US" sz="2199" dirty="0">
+                  <a:solidFill>
+                    <a:srgbClr val="000000"/>
+                  </a:solidFill>
+                  <a:latin typeface="Cabin"/>
+                </a:rPr>
+                <a:t> </a:t>
+              </a:r>
+              <a:r>
+                <a:rPr lang="en-US" sz="2199" dirty="0" err="1">
+                  <a:solidFill>
+                    <a:srgbClr val="000000"/>
+                  </a:solidFill>
+                  <a:latin typeface="Cabin"/>
+                </a:rPr>
+                <a:t>hình</a:t>
+              </a:r>
+              <a:r>
+                <a:rPr lang="en-US" sz="2199" dirty="0">
+                  <a:solidFill>
+                    <a:srgbClr val="000000"/>
+                  </a:solidFill>
+                  <a:latin typeface="Cabin"/>
+                </a:rPr>
+                <a:t> </a:t>
+              </a:r>
+              <a:r>
+                <a:rPr lang="en-US" sz="2199" dirty="0" err="1">
+                  <a:solidFill>
+                    <a:srgbClr val="000000"/>
+                  </a:solidFill>
+                  <a:latin typeface="Cabin"/>
+                </a:rPr>
+                <a:t>tiếp</a:t>
+              </a:r>
+              <a:r>
+                <a:rPr lang="en-US" sz="2199" dirty="0">
+                  <a:solidFill>
+                    <a:srgbClr val="000000"/>
+                  </a:solidFill>
+                  <a:latin typeface="Cabin"/>
+                </a:rPr>
+                <a:t> </a:t>
+              </a:r>
+              <a:r>
+                <a:rPr lang="en-US" sz="2199" dirty="0" err="1">
+                  <a:solidFill>
+                    <a:srgbClr val="000000"/>
+                  </a:solidFill>
+                  <a:latin typeface="Cabin"/>
+                </a:rPr>
+                <a:t>cận</a:t>
+              </a:r>
+              <a:r>
+                <a:rPr lang="en-US" sz="2199" dirty="0">
+                  <a:solidFill>
+                    <a:srgbClr val="000000"/>
+                  </a:solidFill>
+                  <a:latin typeface="Cabin"/>
+                </a:rPr>
+                <a:t> </a:t>
+              </a:r>
+              <a:r>
+                <a:rPr lang="en-US" sz="2199" dirty="0" err="1">
+                  <a:solidFill>
+                    <a:srgbClr val="000000"/>
+                  </a:solidFill>
+                  <a:latin typeface="Cabin"/>
+                </a:rPr>
+                <a:t>lặp</a:t>
+              </a:r>
+              <a:r>
+                <a:rPr lang="en-US" sz="2199" dirty="0">
+                  <a:solidFill>
+                    <a:srgbClr val="000000"/>
+                  </a:solidFill>
+                  <a:latin typeface="Cabin"/>
+                </a:rPr>
+                <a:t> (Iterative model), </a:t>
+              </a:r>
+              <a:r>
+                <a:rPr lang="en-US" sz="2199" dirty="0" err="1">
+                  <a:solidFill>
+                    <a:srgbClr val="000000"/>
+                  </a:solidFill>
+                  <a:latin typeface="Cabin"/>
+                </a:rPr>
+                <a:t>Mô</a:t>
+              </a:r>
+              <a:r>
+                <a:rPr lang="en-US" sz="2199" dirty="0">
+                  <a:solidFill>
+                    <a:srgbClr val="000000"/>
+                  </a:solidFill>
+                  <a:latin typeface="Cabin"/>
+                </a:rPr>
+                <a:t> </a:t>
+              </a:r>
+              <a:r>
+                <a:rPr lang="en-US" sz="2199" dirty="0" err="1">
+                  <a:solidFill>
+                    <a:srgbClr val="000000"/>
+                  </a:solidFill>
+                  <a:latin typeface="Cabin"/>
+                </a:rPr>
+                <a:t>hình</a:t>
+              </a:r>
+              <a:r>
+                <a:rPr lang="en-US" sz="2199" dirty="0">
+                  <a:solidFill>
+                    <a:srgbClr val="000000"/>
+                  </a:solidFill>
+                  <a:latin typeface="Cabin"/>
+                </a:rPr>
+                <a:t> </a:t>
+              </a:r>
+              <a:r>
+                <a:rPr lang="en-US" sz="2199" dirty="0" err="1">
+                  <a:solidFill>
+                    <a:srgbClr val="000000"/>
+                  </a:solidFill>
+                  <a:latin typeface="Cabin"/>
+                </a:rPr>
+                <a:t>tăng</a:t>
+              </a:r>
+              <a:r>
+                <a:rPr lang="en-US" sz="2199" dirty="0">
+                  <a:solidFill>
+                    <a:srgbClr val="000000"/>
+                  </a:solidFill>
+                  <a:latin typeface="Cabin"/>
+                </a:rPr>
+                <a:t> </a:t>
+              </a:r>
+              <a:r>
+                <a:rPr lang="en-US" sz="2199" dirty="0" err="1">
+                  <a:solidFill>
+                    <a:srgbClr val="000000"/>
+                  </a:solidFill>
+                  <a:latin typeface="Cabin"/>
+                </a:rPr>
+                <a:t>trưởng</a:t>
+              </a:r>
+              <a:r>
+                <a:rPr lang="en-US" sz="2199" dirty="0">
+                  <a:solidFill>
+                    <a:srgbClr val="000000"/>
+                  </a:solidFill>
+                  <a:latin typeface="Cabin"/>
+                </a:rPr>
+                <a:t> (Incremental model), </a:t>
+              </a:r>
+              <a:r>
+                <a:rPr lang="en-US" sz="2199" dirty="0" err="1">
+                  <a:solidFill>
+                    <a:srgbClr val="000000"/>
+                  </a:solidFill>
+                  <a:latin typeface="Cabin"/>
+                </a:rPr>
+                <a:t>Mô</a:t>
+              </a:r>
+              <a:r>
+                <a:rPr lang="en-US" sz="2199" dirty="0">
+                  <a:solidFill>
+                    <a:srgbClr val="000000"/>
+                  </a:solidFill>
+                  <a:latin typeface="Cabin"/>
+                </a:rPr>
+                <a:t> </a:t>
+              </a:r>
+              <a:r>
+                <a:rPr lang="en-US" sz="2199" dirty="0" err="1">
+                  <a:solidFill>
+                    <a:srgbClr val="000000"/>
+                  </a:solidFill>
+                  <a:latin typeface="Cabin"/>
+                </a:rPr>
+                <a:t>hình</a:t>
+              </a:r>
+              <a:r>
+                <a:rPr lang="en-US" sz="2199" dirty="0">
+                  <a:solidFill>
+                    <a:srgbClr val="000000"/>
+                  </a:solidFill>
+                  <a:latin typeface="Cabin"/>
+                </a:rPr>
+                <a:t> Scrum,…</a:t>
               </a:r>
             </a:p>
           </p:txBody>
